--- a/Homework/Project/presentation.pptx
+++ b/Homework/Project/presentation.pptx
@@ -9,27 +9,25 @@
     <p:sldId id="257" r:id="rId3"/>
     <p:sldId id="258" r:id="rId4"/>
     <p:sldId id="259" r:id="rId5"/>
-    <p:sldId id="260" r:id="rId6"/>
-    <p:sldId id="268" r:id="rId7"/>
-    <p:sldId id="261" r:id="rId8"/>
-    <p:sldId id="281" r:id="rId9"/>
-    <p:sldId id="280" r:id="rId10"/>
-    <p:sldId id="282" r:id="rId11"/>
-    <p:sldId id="283" r:id="rId12"/>
-    <p:sldId id="284" r:id="rId13"/>
-    <p:sldId id="288" r:id="rId14"/>
-    <p:sldId id="286" r:id="rId15"/>
-    <p:sldId id="262" r:id="rId16"/>
-    <p:sldId id="263" r:id="rId17"/>
-    <p:sldId id="265" r:id="rId18"/>
-    <p:sldId id="267" r:id="rId19"/>
-    <p:sldId id="269" r:id="rId20"/>
-    <p:sldId id="270" r:id="rId21"/>
-    <p:sldId id="272" r:id="rId22"/>
-    <p:sldId id="289" r:id="rId23"/>
-    <p:sldId id="277" r:id="rId24"/>
-    <p:sldId id="278" r:id="rId25"/>
-    <p:sldId id="273" r:id="rId26"/>
+    <p:sldId id="268" r:id="rId6"/>
+    <p:sldId id="261" r:id="rId7"/>
+    <p:sldId id="281" r:id="rId8"/>
+    <p:sldId id="280" r:id="rId9"/>
+    <p:sldId id="282" r:id="rId10"/>
+    <p:sldId id="283" r:id="rId11"/>
+    <p:sldId id="284" r:id="rId12"/>
+    <p:sldId id="288" r:id="rId13"/>
+    <p:sldId id="286" r:id="rId14"/>
+    <p:sldId id="262" r:id="rId15"/>
+    <p:sldId id="263" r:id="rId16"/>
+    <p:sldId id="265" r:id="rId17"/>
+    <p:sldId id="267" r:id="rId18"/>
+    <p:sldId id="269" r:id="rId19"/>
+    <p:sldId id="270" r:id="rId20"/>
+    <p:sldId id="272" r:id="rId21"/>
+    <p:sldId id="277" r:id="rId22"/>
+    <p:sldId id="278" r:id="rId23"/>
+    <p:sldId id="273" r:id="rId24"/>
   </p:sldIdLst>
   <p:sldSz cx="9144000" cy="6858000" type="screen4x3"/>
   <p:notesSz cx="6858000" cy="9144000"/>
@@ -3812,9 +3810,32 @@
           <a:chExt cx="0" cy="0"/>
         </a:xfrm>
       </p:grpSpPr>
+      <p:sp>
+        <p:nvSpPr>
+          <p:cNvPr id="2" name="标题 1"/>
+          <p:cNvSpPr>
+            <a:spLocks noGrp="1"/>
+          </p:cNvSpPr>
+          <p:nvPr>
+            <p:ph type="title"/>
+          </p:nvPr>
+        </p:nvSpPr>
+        <p:spPr/>
+        <p:txBody>
+          <a:bodyPr/>
+          <a:lstStyle/>
+          <a:p>
+            <a:r>
+              <a:rPr lang="en-US" altLang="zh-CN" sz="4400" b="1" dirty="0"/>
+              <a:t>School-System Quality ranking on State Level </a:t>
+            </a:r>
+            <a:endParaRPr kumimoji="1" lang="zh-CN" altLang="en-US" sz="4400" b="1" dirty="0"/>
+          </a:p>
+        </p:txBody>
+      </p:sp>
       <p:pic>
         <p:nvPicPr>
-          <p:cNvPr id="4" name="内容占位符 3" descr="north.PNG"/>
+          <p:cNvPr id="4" name="内容占位符 3"/>
           <p:cNvPicPr>
             <a:picLocks noGrp="1"/>
           </p:cNvPicPr>
@@ -3823,216 +3844,81 @@
           </p:nvPr>
         </p:nvPicPr>
         <p:blipFill>
-          <a:blip r:embed="rId2"/>
-          <a:srcRect l="-13901" r="-13901"/>
+          <a:blip r:embed="rId2">
+            <a:extLst>
+              <a:ext uri="{28A0092B-C50C-407E-A947-70E740481C1C}">
+                <a14:useLocalDpi xmlns:a14="http://schemas.microsoft.com/office/drawing/2010/main" val="0"/>
+              </a:ext>
+            </a:extLst>
+          </a:blip>
+          <a:srcRect t="4323" b="4323"/>
           <a:stretch>
             <a:fillRect/>
           </a:stretch>
         </p:blipFill>
         <p:spPr>
+          <a:prstGeom prst="rect">
+            <a:avLst/>
+          </a:prstGeom>
+        </p:spPr>
+      </p:pic>
+      <p:sp>
+        <p:nvSpPr>
+          <p:cNvPr id="3" name="矩形 2"/>
+          <p:cNvSpPr/>
+          <p:nvPr/>
+        </p:nvSpPr>
+        <p:spPr>
           <a:xfrm>
-            <a:off x="1052667" y="0"/>
-            <a:ext cx="7459233" cy="3649345"/>
+            <a:off x="549275" y="5591309"/>
+            <a:ext cx="2472928" cy="369332"/>
           </a:xfrm>
           <a:prstGeom prst="rect">
             <a:avLst/>
           </a:prstGeom>
         </p:spPr>
-      </p:pic>
-      <p:pic>
-        <p:nvPicPr>
-          <p:cNvPr id="5" name="图片 4" descr="south.PNG"/>
-          <p:cNvPicPr/>
-          <p:nvPr/>
-        </p:nvPicPr>
-        <p:blipFill>
-          <a:blip r:embed="rId3"/>
-          <a:stretch>
-            <a:fillRect/>
-          </a:stretch>
-        </p:blipFill>
-        <p:spPr>
-          <a:xfrm>
-            <a:off x="1887719" y="3649345"/>
-            <a:ext cx="5823329" cy="3208655"/>
-          </a:xfrm>
-          <a:prstGeom prst="rect">
-            <a:avLst/>
-          </a:prstGeom>
-        </p:spPr>
-      </p:pic>
-      <p:sp>
-        <p:nvSpPr>
-          <p:cNvPr id="6" name="矩形 5"/>
-          <p:cNvSpPr/>
-          <p:nvPr/>
-        </p:nvSpPr>
-        <p:spPr>
-          <a:xfrm>
-            <a:off x="119620" y="1033651"/>
-            <a:ext cx="1605578" cy="707886"/>
-          </a:xfrm>
-          <a:prstGeom prst="rect">
-            <a:avLst/>
-          </a:prstGeom>
-          <a:noFill/>
-        </p:spPr>
-        <p:txBody>
-          <a:bodyPr wrap="none" lIns="91440" tIns="45720" rIns="91440" bIns="45720">
+        <p:txBody>
+          <a:bodyPr wrap="none">
             <a:spAutoFit/>
           </a:bodyPr>
           <a:lstStyle/>
           <a:p>
-            <a:pPr algn="ctr"/>
-            <a:r>
-              <a:rPr lang="en-US" altLang="zh-CN" sz="4000" b="1" cap="none" spc="0" dirty="0" smtClean="0">
-                <a:ln w="12700">
-                  <a:solidFill>
-                    <a:schemeClr val="tx2">
-                      <a:satMod val="155000"/>
-                    </a:schemeClr>
-                  </a:solidFill>
-                  <a:prstDash val="solid"/>
-                </a:ln>
+            <a:r>
+              <a:rPr kumimoji="1" lang="en-US" altLang="zh-CN" b="1" dirty="0" err="1" smtClean="0">
                 <a:solidFill>
                   <a:schemeClr val="bg2">
-                    <a:tint val="85000"/>
-                    <a:satMod val="155000"/>
+                    <a:lumMod val="25000"/>
                   </a:schemeClr>
                 </a:solidFill>
-                <a:effectLst>
-                  <a:outerShdw blurRad="41275" dist="20320" dir="1800000" algn="tl" rotWithShape="0">
-                    <a:srgbClr val="000000">
-                      <a:alpha val="40000"/>
-                    </a:srgbClr>
-                  </a:outerShdw>
-                </a:effectLst>
               </a:rPr>
-              <a:t>North</a:t>
-            </a:r>
-            <a:endParaRPr lang="zh-CN" altLang="en-US" sz="4000" b="1" cap="none" spc="0" dirty="0">
-              <a:ln w="12700">
+              <a:t>Red:good</a:t>
+            </a:r>
+            <a:r>
+              <a:rPr kumimoji="1" lang="en-US" altLang="zh-CN" b="1" dirty="0" smtClean="0">
                 <a:solidFill>
-                  <a:schemeClr val="tx2">
-                    <a:satMod val="155000"/>
+                  <a:schemeClr val="bg2">
+                    <a:lumMod val="25000"/>
                   </a:schemeClr>
                 </a:solidFill>
-                <a:prstDash val="solid"/>
-              </a:ln>
+              </a:rPr>
+              <a:t>  </a:t>
+            </a:r>
+            <a:r>
+              <a:rPr kumimoji="1" lang="en-US" altLang="zh-CN" b="1" dirty="0" err="1" smtClean="0">
+                <a:solidFill>
+                  <a:schemeClr val="bg2">
+                    <a:lumMod val="25000"/>
+                  </a:schemeClr>
+                </a:solidFill>
+              </a:rPr>
+              <a:t>Blue:bad</a:t>
+            </a:r>
+            <a:endParaRPr kumimoji="1" lang="zh-CN" altLang="en-US" b="1" dirty="0">
               <a:solidFill>
                 <a:schemeClr val="bg2">
-                  <a:tint val="85000"/>
-                  <a:satMod val="155000"/>
+                  <a:lumMod val="25000"/>
                 </a:schemeClr>
               </a:solidFill>
-              <a:effectLst>
-                <a:outerShdw blurRad="41275" dist="20320" dir="1800000" algn="tl" rotWithShape="0">
-                  <a:srgbClr val="000000">
-                    <a:alpha val="40000"/>
-                  </a:srgbClr>
-                </a:outerShdw>
-              </a:effectLst>
-            </a:endParaRPr>
-          </a:p>
-        </p:txBody>
-      </p:sp>
-      <p:sp>
-        <p:nvSpPr>
-          <p:cNvPr id="8" name="矩形 7"/>
-          <p:cNvSpPr/>
-          <p:nvPr/>
-        </p:nvSpPr>
-        <p:spPr>
-          <a:xfrm>
-            <a:off x="119620" y="4752019"/>
-            <a:ext cx="1612090" cy="707886"/>
-          </a:xfrm>
-          <a:prstGeom prst="rect">
-            <a:avLst/>
-          </a:prstGeom>
-          <a:noFill/>
-        </p:spPr>
-        <p:txBody>
-          <a:bodyPr wrap="none" lIns="91440" tIns="45720" rIns="91440" bIns="45720">
-            <a:spAutoFit/>
-          </a:bodyPr>
-          <a:lstStyle/>
-          <a:p>
-            <a:pPr algn="ctr"/>
-            <a:r>
-              <a:rPr lang="en-US" altLang="zh-CN" sz="4000" b="1" dirty="0" smtClean="0">
-                <a:ln w="12700">
-                  <a:solidFill>
-                    <a:schemeClr val="tx2">
-                      <a:satMod val="155000"/>
-                    </a:schemeClr>
-                  </a:solidFill>
-                  <a:prstDash val="solid"/>
-                </a:ln>
-                <a:solidFill>
-                  <a:schemeClr val="bg2">
-                    <a:tint val="85000"/>
-                    <a:satMod val="155000"/>
-                  </a:schemeClr>
-                </a:solidFill>
-                <a:effectLst>
-                  <a:outerShdw blurRad="41275" dist="20320" dir="1800000" algn="tl" rotWithShape="0">
-                    <a:srgbClr val="000000">
-                      <a:alpha val="40000"/>
-                    </a:srgbClr>
-                  </a:outerShdw>
-                </a:effectLst>
-              </a:rPr>
-              <a:t>Sou</a:t>
-            </a:r>
-            <a:r>
-              <a:rPr lang="en-US" altLang="zh-CN" sz="4000" b="1" cap="none" spc="0" dirty="0" smtClean="0">
-                <a:ln w="12700">
-                  <a:solidFill>
-                    <a:schemeClr val="tx2">
-                      <a:satMod val="155000"/>
-                    </a:schemeClr>
-                  </a:solidFill>
-                  <a:prstDash val="solid"/>
-                </a:ln>
-                <a:solidFill>
-                  <a:schemeClr val="bg2">
-                    <a:tint val="85000"/>
-                    <a:satMod val="155000"/>
-                  </a:schemeClr>
-                </a:solidFill>
-                <a:effectLst>
-                  <a:outerShdw blurRad="41275" dist="20320" dir="1800000" algn="tl" rotWithShape="0">
-                    <a:srgbClr val="000000">
-                      <a:alpha val="40000"/>
-                    </a:srgbClr>
-                  </a:outerShdw>
-                </a:effectLst>
-              </a:rPr>
-              <a:t>th</a:t>
-            </a:r>
-            <a:endParaRPr lang="zh-CN" altLang="en-US" sz="4000" b="1" cap="none" spc="0" dirty="0">
-              <a:ln w="12700">
-                <a:solidFill>
-                  <a:schemeClr val="tx2">
-                    <a:satMod val="155000"/>
-                  </a:schemeClr>
-                </a:solidFill>
-                <a:prstDash val="solid"/>
-              </a:ln>
-              <a:solidFill>
-                <a:schemeClr val="bg2">
-                  <a:tint val="85000"/>
-                  <a:satMod val="155000"/>
-                </a:schemeClr>
-              </a:solidFill>
-              <a:effectLst>
-                <a:outerShdw blurRad="41275" dist="20320" dir="1800000" algn="tl" rotWithShape="0">
-                  <a:srgbClr val="000000">
-                    <a:alpha val="40000"/>
-                  </a:srgbClr>
-                </a:outerShdw>
-              </a:effectLst>
             </a:endParaRPr>
           </a:p>
         </p:txBody>
@@ -4040,7 +3926,7 @@
     </p:spTree>
     <p:extLst>
       <p:ext uri="{BB962C8B-B14F-4D97-AF65-F5344CB8AC3E}">
-        <p14:creationId xmlns:p14="http://schemas.microsoft.com/office/powerpoint/2010/main" val="157077609"/>
+        <p14:creationId xmlns:p14="http://schemas.microsoft.com/office/powerpoint/2010/main" val="1569483745"/>
       </p:ext>
     </p:extLst>
   </p:cSld>
@@ -4067,29 +3953,6 @@
           <a:chExt cx="0" cy="0"/>
         </a:xfrm>
       </p:grpSpPr>
-      <p:sp>
-        <p:nvSpPr>
-          <p:cNvPr id="2" name="标题 1"/>
-          <p:cNvSpPr>
-            <a:spLocks noGrp="1"/>
-          </p:cNvSpPr>
-          <p:nvPr>
-            <p:ph type="title"/>
-          </p:nvPr>
-        </p:nvSpPr>
-        <p:spPr/>
-        <p:txBody>
-          <a:bodyPr/>
-          <a:lstStyle/>
-          <a:p>
-            <a:r>
-              <a:rPr lang="en-US" altLang="zh-CN" sz="4400" b="1" dirty="0"/>
-              <a:t>School-System Quality ranking on State Level </a:t>
-            </a:r>
-            <a:endParaRPr kumimoji="1" lang="zh-CN" altLang="en-US" sz="4400" b="1" dirty="0"/>
-          </a:p>
-        </p:txBody>
-      </p:sp>
       <p:pic>
         <p:nvPicPr>
           <p:cNvPr id="4" name="内容占位符 3"/>
@@ -4108,74 +3971,224 @@
               </a:ext>
             </a:extLst>
           </a:blip>
-          <a:srcRect t="4323" b="4323"/>
+          <a:srcRect l="-2678" r="-2678"/>
           <a:stretch>
             <a:fillRect/>
           </a:stretch>
         </p:blipFill>
         <p:spPr>
-          <a:prstGeom prst="rect">
-            <a:avLst/>
-          </a:prstGeom>
-        </p:spPr>
-      </p:pic>
-      <p:sp>
-        <p:nvSpPr>
-          <p:cNvPr id="3" name="矩形 2"/>
-          <p:cNvSpPr/>
-          <p:nvPr/>
-        </p:nvSpPr>
-        <p:spPr>
           <a:xfrm>
-            <a:off x="549275" y="5591309"/>
-            <a:ext cx="2472928" cy="369332"/>
+            <a:off x="2784856" y="0"/>
+            <a:ext cx="5965884" cy="3471963"/>
           </a:xfrm>
           <a:prstGeom prst="rect">
             <a:avLst/>
           </a:prstGeom>
         </p:spPr>
-        <p:txBody>
-          <a:bodyPr wrap="none">
+      </p:pic>
+      <p:pic>
+        <p:nvPicPr>
+          <p:cNvPr id="5" name="内容占位符 3"/>
+          <p:cNvPicPr>
+            <a:picLocks/>
+          </p:cNvPicPr>
+          <p:nvPr/>
+        </p:nvPicPr>
+        <p:blipFill>
+          <a:blip r:embed="rId3">
+            <a:extLst>
+              <a:ext uri="{28A0092B-C50C-407E-A947-70E740481C1C}">
+                <a14:useLocalDpi xmlns:a14="http://schemas.microsoft.com/office/drawing/2010/main" val="0"/>
+              </a:ext>
+            </a:extLst>
+          </a:blip>
+          <a:srcRect l="-2013" r="-2013"/>
+          <a:stretch>
+            <a:fillRect/>
+          </a:stretch>
+        </p:blipFill>
+        <p:spPr>
+          <a:xfrm>
+            <a:off x="2784856" y="3384458"/>
+            <a:ext cx="5969824" cy="3473542"/>
+          </a:xfrm>
+          <a:prstGeom prst="rect">
+            <a:avLst/>
+          </a:prstGeom>
+        </p:spPr>
+      </p:pic>
+      <p:sp>
+        <p:nvSpPr>
+          <p:cNvPr id="6" name="矩形 5"/>
+          <p:cNvSpPr/>
+          <p:nvPr/>
+        </p:nvSpPr>
+        <p:spPr>
+          <a:xfrm>
+            <a:off x="387619" y="1033651"/>
+            <a:ext cx="1605578" cy="707886"/>
+          </a:xfrm>
+          <a:prstGeom prst="rect">
+            <a:avLst/>
+          </a:prstGeom>
+          <a:noFill/>
+        </p:spPr>
+        <p:txBody>
+          <a:bodyPr wrap="none" lIns="91440" tIns="45720" rIns="91440" bIns="45720">
             <a:spAutoFit/>
           </a:bodyPr>
           <a:lstStyle/>
           <a:p>
-            <a:r>
-              <a:rPr kumimoji="1" lang="en-US" altLang="zh-CN" b="1" dirty="0" err="1" smtClean="0">
+            <a:pPr algn="ctr"/>
+            <a:r>
+              <a:rPr lang="en-US" altLang="zh-CN" sz="4000" b="1" cap="none" spc="0" dirty="0" smtClean="0">
+                <a:ln w="12700">
+                  <a:solidFill>
+                    <a:schemeClr val="tx2">
+                      <a:satMod val="155000"/>
+                    </a:schemeClr>
+                  </a:solidFill>
+                  <a:prstDash val="solid"/>
+                </a:ln>
                 <a:solidFill>
                   <a:schemeClr val="bg2">
-                    <a:lumMod val="25000"/>
+                    <a:tint val="85000"/>
+                    <a:satMod val="155000"/>
                   </a:schemeClr>
                 </a:solidFill>
+                <a:effectLst>
+                  <a:outerShdw blurRad="41275" dist="20320" dir="1800000" algn="tl" rotWithShape="0">
+                    <a:srgbClr val="000000">
+                      <a:alpha val="40000"/>
+                    </a:srgbClr>
+                  </a:outerShdw>
+                </a:effectLst>
               </a:rPr>
-              <a:t>Red:good</a:t>
-            </a:r>
-            <a:r>
-              <a:rPr kumimoji="1" lang="en-US" altLang="zh-CN" b="1" dirty="0" smtClean="0">
+              <a:t>North</a:t>
+            </a:r>
+            <a:endParaRPr lang="zh-CN" altLang="en-US" sz="4000" b="1" cap="none" spc="0" dirty="0">
+              <a:ln w="12700">
+                <a:solidFill>
+                  <a:schemeClr val="tx2">
+                    <a:satMod val="155000"/>
+                  </a:schemeClr>
+                </a:solidFill>
+                <a:prstDash val="solid"/>
+              </a:ln>
+              <a:solidFill>
+                <a:schemeClr val="bg2">
+                  <a:tint val="85000"/>
+                  <a:satMod val="155000"/>
+                </a:schemeClr>
+              </a:solidFill>
+              <a:effectLst>
+                <a:outerShdw blurRad="41275" dist="20320" dir="1800000" algn="tl" rotWithShape="0">
+                  <a:srgbClr val="000000">
+                    <a:alpha val="40000"/>
+                  </a:srgbClr>
+                </a:outerShdw>
+              </a:effectLst>
+            </a:endParaRPr>
+          </a:p>
+        </p:txBody>
+      </p:sp>
+      <p:sp>
+        <p:nvSpPr>
+          <p:cNvPr id="7" name="矩形 6"/>
+          <p:cNvSpPr/>
+          <p:nvPr/>
+        </p:nvSpPr>
+        <p:spPr>
+          <a:xfrm>
+            <a:off x="381107" y="4752019"/>
+            <a:ext cx="1612090" cy="707886"/>
+          </a:xfrm>
+          <a:prstGeom prst="rect">
+            <a:avLst/>
+          </a:prstGeom>
+          <a:noFill/>
+        </p:spPr>
+        <p:txBody>
+          <a:bodyPr wrap="none" lIns="91440" tIns="45720" rIns="91440" bIns="45720">
+            <a:spAutoFit/>
+          </a:bodyPr>
+          <a:lstStyle/>
+          <a:p>
+            <a:pPr algn="ctr"/>
+            <a:r>
+              <a:rPr lang="en-US" altLang="zh-CN" sz="4000" b="1" dirty="0" smtClean="0">
+                <a:ln w="12700">
+                  <a:solidFill>
+                    <a:schemeClr val="tx2">
+                      <a:satMod val="155000"/>
+                    </a:schemeClr>
+                  </a:solidFill>
+                  <a:prstDash val="solid"/>
+                </a:ln>
                 <a:solidFill>
                   <a:schemeClr val="bg2">
-                    <a:lumMod val="25000"/>
+                    <a:tint val="85000"/>
+                    <a:satMod val="155000"/>
                   </a:schemeClr>
                 </a:solidFill>
+                <a:effectLst>
+                  <a:outerShdw blurRad="41275" dist="20320" dir="1800000" algn="tl" rotWithShape="0">
+                    <a:srgbClr val="000000">
+                      <a:alpha val="40000"/>
+                    </a:srgbClr>
+                  </a:outerShdw>
+                </a:effectLst>
               </a:rPr>
-              <a:t>  </a:t>
-            </a:r>
-            <a:r>
-              <a:rPr kumimoji="1" lang="en-US" altLang="zh-CN" b="1" dirty="0" err="1" smtClean="0">
+              <a:t>Sou</a:t>
+            </a:r>
+            <a:r>
+              <a:rPr lang="en-US" altLang="zh-CN" sz="4000" b="1" cap="none" spc="0" dirty="0" smtClean="0">
+                <a:ln w="12700">
+                  <a:solidFill>
+                    <a:schemeClr val="tx2">
+                      <a:satMod val="155000"/>
+                    </a:schemeClr>
+                  </a:solidFill>
+                  <a:prstDash val="solid"/>
+                </a:ln>
                 <a:solidFill>
                   <a:schemeClr val="bg2">
-                    <a:lumMod val="25000"/>
+                    <a:tint val="85000"/>
+                    <a:satMod val="155000"/>
                   </a:schemeClr>
                 </a:solidFill>
+                <a:effectLst>
+                  <a:outerShdw blurRad="41275" dist="20320" dir="1800000" algn="tl" rotWithShape="0">
+                    <a:srgbClr val="000000">
+                      <a:alpha val="40000"/>
+                    </a:srgbClr>
+                  </a:outerShdw>
+                </a:effectLst>
               </a:rPr>
-              <a:t>Blue:bad</a:t>
-            </a:r>
-            <a:endParaRPr kumimoji="1" lang="zh-CN" altLang="en-US" b="1" dirty="0">
+              <a:t>th</a:t>
+            </a:r>
+            <a:endParaRPr lang="zh-CN" altLang="en-US" sz="4000" b="1" cap="none" spc="0" dirty="0">
+              <a:ln w="12700">
+                <a:solidFill>
+                  <a:schemeClr val="tx2">
+                    <a:satMod val="155000"/>
+                  </a:schemeClr>
+                </a:solidFill>
+                <a:prstDash val="solid"/>
+              </a:ln>
               <a:solidFill>
                 <a:schemeClr val="bg2">
-                  <a:lumMod val="25000"/>
+                  <a:tint val="85000"/>
+                  <a:satMod val="155000"/>
                 </a:schemeClr>
               </a:solidFill>
+              <a:effectLst>
+                <a:outerShdw blurRad="41275" dist="20320" dir="1800000" algn="tl" rotWithShape="0">
+                  <a:srgbClr val="000000">
+                    <a:alpha val="40000"/>
+                  </a:srgbClr>
+                </a:outerShdw>
+              </a:effectLst>
             </a:endParaRPr>
           </a:p>
         </p:txBody>
@@ -4183,7 +4196,7 @@
     </p:spTree>
     <p:extLst>
       <p:ext uri="{BB962C8B-B14F-4D97-AF65-F5344CB8AC3E}">
-        <p14:creationId xmlns:p14="http://schemas.microsoft.com/office/powerpoint/2010/main" val="1569483745"/>
+        <p14:creationId xmlns:p14="http://schemas.microsoft.com/office/powerpoint/2010/main" val="1827781623"/>
       </p:ext>
     </p:extLst>
   </p:cSld>
@@ -4210,6 +4223,33 @@
           <a:chExt cx="0" cy="0"/>
         </a:xfrm>
       </p:grpSpPr>
+      <p:sp>
+        <p:nvSpPr>
+          <p:cNvPr id="2" name="标题 1"/>
+          <p:cNvSpPr>
+            <a:spLocks noGrp="1"/>
+          </p:cNvSpPr>
+          <p:nvPr>
+            <p:ph type="title"/>
+          </p:nvPr>
+        </p:nvSpPr>
+        <p:spPr/>
+        <p:txBody>
+          <a:bodyPr/>
+          <a:lstStyle/>
+          <a:p>
+            <a:r>
+              <a:rPr lang="en-US" altLang="zh-CN" sz="4400" b="1" dirty="0"/>
+              <a:t> School Safety ranking vs. graduation </a:t>
+            </a:r>
+            <a:r>
+              <a:rPr lang="en-US" altLang="zh-CN" sz="4400" b="1" dirty="0" smtClean="0"/>
+              <a:t>rate</a:t>
+            </a:r>
+            <a:endParaRPr kumimoji="1" lang="zh-CN" altLang="en-US" sz="4400" b="1" dirty="0"/>
+          </a:p>
+        </p:txBody>
+      </p:sp>
       <p:pic>
         <p:nvPicPr>
           <p:cNvPr id="4" name="内容占位符 3"/>
@@ -4228,224 +4268,74 @@
               </a:ext>
             </a:extLst>
           </a:blip>
-          <a:srcRect l="-2678" r="-2678"/>
+          <a:srcRect t="1925" b="1925"/>
           <a:stretch>
             <a:fillRect/>
           </a:stretch>
         </p:blipFill>
         <p:spPr>
+          <a:prstGeom prst="rect">
+            <a:avLst/>
+          </a:prstGeom>
+        </p:spPr>
+      </p:pic>
+      <p:sp>
+        <p:nvSpPr>
+          <p:cNvPr id="3" name="矩形 2"/>
+          <p:cNvSpPr/>
+          <p:nvPr/>
+        </p:nvSpPr>
+        <p:spPr>
           <a:xfrm>
-            <a:off x="2784856" y="0"/>
-            <a:ext cx="5965884" cy="3471963"/>
+            <a:off x="549275" y="5591309"/>
+            <a:ext cx="2762370" cy="369332"/>
           </a:xfrm>
           <a:prstGeom prst="rect">
             <a:avLst/>
           </a:prstGeom>
         </p:spPr>
-      </p:pic>
-      <p:pic>
-        <p:nvPicPr>
-          <p:cNvPr id="5" name="内容占位符 3"/>
-          <p:cNvPicPr>
-            <a:picLocks/>
-          </p:cNvPicPr>
-          <p:nvPr/>
-        </p:nvPicPr>
-        <p:blipFill>
-          <a:blip r:embed="rId3">
-            <a:extLst>
-              <a:ext uri="{28A0092B-C50C-407E-A947-70E740481C1C}">
-                <a14:useLocalDpi xmlns:a14="http://schemas.microsoft.com/office/drawing/2010/main" val="0"/>
-              </a:ext>
-            </a:extLst>
-          </a:blip>
-          <a:srcRect l="-2013" r="-2013"/>
-          <a:stretch>
-            <a:fillRect/>
-          </a:stretch>
-        </p:blipFill>
-        <p:spPr>
-          <a:xfrm>
-            <a:off x="2784856" y="3384458"/>
-            <a:ext cx="5969824" cy="3473542"/>
-          </a:xfrm>
-          <a:prstGeom prst="rect">
-            <a:avLst/>
-          </a:prstGeom>
-        </p:spPr>
-      </p:pic>
-      <p:sp>
-        <p:nvSpPr>
-          <p:cNvPr id="6" name="矩形 5"/>
-          <p:cNvSpPr/>
-          <p:nvPr/>
-        </p:nvSpPr>
-        <p:spPr>
-          <a:xfrm>
-            <a:off x="387619" y="1033651"/>
-            <a:ext cx="1605578" cy="707886"/>
-          </a:xfrm>
-          <a:prstGeom prst="rect">
-            <a:avLst/>
-          </a:prstGeom>
-          <a:noFill/>
-        </p:spPr>
-        <p:txBody>
-          <a:bodyPr wrap="none" lIns="91440" tIns="45720" rIns="91440" bIns="45720">
+        <p:txBody>
+          <a:bodyPr wrap="none">
             <a:spAutoFit/>
           </a:bodyPr>
           <a:lstStyle/>
           <a:p>
-            <a:pPr algn="ctr"/>
-            <a:r>
-              <a:rPr lang="en-US" altLang="zh-CN" sz="4000" b="1" cap="none" spc="0" dirty="0" smtClean="0">
-                <a:ln w="12700">
-                  <a:solidFill>
-                    <a:schemeClr val="tx2">
-                      <a:satMod val="155000"/>
-                    </a:schemeClr>
-                  </a:solidFill>
-                  <a:prstDash val="solid"/>
-                </a:ln>
+            <a:r>
+              <a:rPr kumimoji="1" lang="en-US" altLang="zh-CN" b="1" dirty="0" err="1" smtClean="0">
                 <a:solidFill>
                   <a:schemeClr val="bg2">
-                    <a:tint val="85000"/>
-                    <a:satMod val="155000"/>
+                    <a:lumMod val="25000"/>
                   </a:schemeClr>
                 </a:solidFill>
-                <a:effectLst>
-                  <a:outerShdw blurRad="41275" dist="20320" dir="1800000" algn="tl" rotWithShape="0">
-                    <a:srgbClr val="000000">
-                      <a:alpha val="40000"/>
-                    </a:srgbClr>
-                  </a:outerShdw>
-                </a:effectLst>
               </a:rPr>
-              <a:t>North</a:t>
-            </a:r>
-            <a:endParaRPr lang="zh-CN" altLang="en-US" sz="4000" b="1" cap="none" spc="0" dirty="0">
-              <a:ln w="12700">
+              <a:t>Orange:good</a:t>
+            </a:r>
+            <a:r>
+              <a:rPr kumimoji="1" lang="en-US" altLang="zh-CN" b="1" dirty="0" smtClean="0">
                 <a:solidFill>
-                  <a:schemeClr val="tx2">
-                    <a:satMod val="155000"/>
+                  <a:schemeClr val="bg2">
+                    <a:lumMod val="25000"/>
                   </a:schemeClr>
                 </a:solidFill>
-                <a:prstDash val="solid"/>
-              </a:ln>
+              </a:rPr>
+              <a:t>  </a:t>
+            </a:r>
+            <a:r>
+              <a:rPr kumimoji="1" lang="en-US" altLang="zh-CN" b="1" dirty="0" err="1" smtClean="0">
+                <a:solidFill>
+                  <a:schemeClr val="bg2">
+                    <a:lumMod val="25000"/>
+                  </a:schemeClr>
+                </a:solidFill>
+              </a:rPr>
+              <a:t>Blue:bad</a:t>
+            </a:r>
+            <a:endParaRPr kumimoji="1" lang="zh-CN" altLang="en-US" b="1" dirty="0">
               <a:solidFill>
                 <a:schemeClr val="bg2">
-                  <a:tint val="85000"/>
-                  <a:satMod val="155000"/>
+                  <a:lumMod val="25000"/>
                 </a:schemeClr>
               </a:solidFill>
-              <a:effectLst>
-                <a:outerShdw blurRad="41275" dist="20320" dir="1800000" algn="tl" rotWithShape="0">
-                  <a:srgbClr val="000000">
-                    <a:alpha val="40000"/>
-                  </a:srgbClr>
-                </a:outerShdw>
-              </a:effectLst>
-            </a:endParaRPr>
-          </a:p>
-        </p:txBody>
-      </p:sp>
-      <p:sp>
-        <p:nvSpPr>
-          <p:cNvPr id="7" name="矩形 6"/>
-          <p:cNvSpPr/>
-          <p:nvPr/>
-        </p:nvSpPr>
-        <p:spPr>
-          <a:xfrm>
-            <a:off x="381107" y="4752019"/>
-            <a:ext cx="1612090" cy="707886"/>
-          </a:xfrm>
-          <a:prstGeom prst="rect">
-            <a:avLst/>
-          </a:prstGeom>
-          <a:noFill/>
-        </p:spPr>
-        <p:txBody>
-          <a:bodyPr wrap="none" lIns="91440" tIns="45720" rIns="91440" bIns="45720">
-            <a:spAutoFit/>
-          </a:bodyPr>
-          <a:lstStyle/>
-          <a:p>
-            <a:pPr algn="ctr"/>
-            <a:r>
-              <a:rPr lang="en-US" altLang="zh-CN" sz="4000" b="1" dirty="0" smtClean="0">
-                <a:ln w="12700">
-                  <a:solidFill>
-                    <a:schemeClr val="tx2">
-                      <a:satMod val="155000"/>
-                    </a:schemeClr>
-                  </a:solidFill>
-                  <a:prstDash val="solid"/>
-                </a:ln>
-                <a:solidFill>
-                  <a:schemeClr val="bg2">
-                    <a:tint val="85000"/>
-                    <a:satMod val="155000"/>
-                  </a:schemeClr>
-                </a:solidFill>
-                <a:effectLst>
-                  <a:outerShdw blurRad="41275" dist="20320" dir="1800000" algn="tl" rotWithShape="0">
-                    <a:srgbClr val="000000">
-                      <a:alpha val="40000"/>
-                    </a:srgbClr>
-                  </a:outerShdw>
-                </a:effectLst>
-              </a:rPr>
-              <a:t>Sou</a:t>
-            </a:r>
-            <a:r>
-              <a:rPr lang="en-US" altLang="zh-CN" sz="4000" b="1" cap="none" spc="0" dirty="0" smtClean="0">
-                <a:ln w="12700">
-                  <a:solidFill>
-                    <a:schemeClr val="tx2">
-                      <a:satMod val="155000"/>
-                    </a:schemeClr>
-                  </a:solidFill>
-                  <a:prstDash val="solid"/>
-                </a:ln>
-                <a:solidFill>
-                  <a:schemeClr val="bg2">
-                    <a:tint val="85000"/>
-                    <a:satMod val="155000"/>
-                  </a:schemeClr>
-                </a:solidFill>
-                <a:effectLst>
-                  <a:outerShdw blurRad="41275" dist="20320" dir="1800000" algn="tl" rotWithShape="0">
-                    <a:srgbClr val="000000">
-                      <a:alpha val="40000"/>
-                    </a:srgbClr>
-                  </a:outerShdw>
-                </a:effectLst>
-              </a:rPr>
-              <a:t>th</a:t>
-            </a:r>
-            <a:endParaRPr lang="zh-CN" altLang="en-US" sz="4000" b="1" cap="none" spc="0" dirty="0">
-              <a:ln w="12700">
-                <a:solidFill>
-                  <a:schemeClr val="tx2">
-                    <a:satMod val="155000"/>
-                  </a:schemeClr>
-                </a:solidFill>
-                <a:prstDash val="solid"/>
-              </a:ln>
-              <a:solidFill>
-                <a:schemeClr val="bg2">
-                  <a:tint val="85000"/>
-                  <a:satMod val="155000"/>
-                </a:schemeClr>
-              </a:solidFill>
-              <a:effectLst>
-                <a:outerShdw blurRad="41275" dist="20320" dir="1800000" algn="tl" rotWithShape="0">
-                  <a:srgbClr val="000000">
-                    <a:alpha val="40000"/>
-                  </a:srgbClr>
-                </a:outerShdw>
-              </a:effectLst>
             </a:endParaRPr>
           </a:p>
         </p:txBody>
@@ -4453,7 +4343,7 @@
     </p:spTree>
     <p:extLst>
       <p:ext uri="{BB962C8B-B14F-4D97-AF65-F5344CB8AC3E}">
-        <p14:creationId xmlns:p14="http://schemas.microsoft.com/office/powerpoint/2010/main" val="1827781623"/>
+        <p14:creationId xmlns:p14="http://schemas.microsoft.com/office/powerpoint/2010/main" val="2364388580"/>
       </p:ext>
     </p:extLst>
   </p:cSld>
@@ -4480,33 +4370,6 @@
           <a:chExt cx="0" cy="0"/>
         </a:xfrm>
       </p:grpSpPr>
-      <p:sp>
-        <p:nvSpPr>
-          <p:cNvPr id="2" name="标题 1"/>
-          <p:cNvSpPr>
-            <a:spLocks noGrp="1"/>
-          </p:cNvSpPr>
-          <p:nvPr>
-            <p:ph type="title"/>
-          </p:nvPr>
-        </p:nvSpPr>
-        <p:spPr/>
-        <p:txBody>
-          <a:bodyPr/>
-          <a:lstStyle/>
-          <a:p>
-            <a:r>
-              <a:rPr lang="en-US" altLang="zh-CN" sz="4400" b="1" dirty="0"/>
-              <a:t> School Safety ranking vs. graduation </a:t>
-            </a:r>
-            <a:r>
-              <a:rPr lang="en-US" altLang="zh-CN" sz="4400" b="1" dirty="0" smtClean="0"/>
-              <a:t>rate</a:t>
-            </a:r>
-            <a:endParaRPr kumimoji="1" lang="zh-CN" altLang="en-US" sz="4400" b="1" dirty="0"/>
-          </a:p>
-        </p:txBody>
-      </p:sp>
       <p:pic>
         <p:nvPicPr>
           <p:cNvPr id="4" name="内容占位符 3"/>
@@ -4525,74 +4388,224 @@
               </a:ext>
             </a:extLst>
           </a:blip>
-          <a:srcRect t="1925" b="1925"/>
+          <a:srcRect l="-253" r="-253"/>
           <a:stretch>
             <a:fillRect/>
           </a:stretch>
         </p:blipFill>
         <p:spPr>
-          <a:prstGeom prst="rect">
-            <a:avLst/>
-          </a:prstGeom>
-        </p:spPr>
-      </p:pic>
-      <p:sp>
-        <p:nvSpPr>
-          <p:cNvPr id="3" name="矩形 2"/>
-          <p:cNvSpPr/>
-          <p:nvPr/>
-        </p:nvSpPr>
-        <p:spPr>
           <a:xfrm>
-            <a:off x="549275" y="5591309"/>
-            <a:ext cx="2762370" cy="369332"/>
+            <a:off x="3320853" y="0"/>
+            <a:ext cx="5270697" cy="3646726"/>
           </a:xfrm>
           <a:prstGeom prst="rect">
             <a:avLst/>
           </a:prstGeom>
         </p:spPr>
-        <p:txBody>
-          <a:bodyPr wrap="none">
+      </p:pic>
+      <p:pic>
+        <p:nvPicPr>
+          <p:cNvPr id="5" name="内容占位符 3"/>
+          <p:cNvPicPr>
+            <a:picLocks/>
+          </p:cNvPicPr>
+          <p:nvPr/>
+        </p:nvPicPr>
+        <p:blipFill>
+          <a:blip r:embed="rId3">
+            <a:extLst>
+              <a:ext uri="{28A0092B-C50C-407E-A947-70E740481C1C}">
+                <a14:useLocalDpi xmlns:a14="http://schemas.microsoft.com/office/drawing/2010/main" val="0"/>
+              </a:ext>
+            </a:extLst>
+          </a:blip>
+          <a:srcRect t="-819" b="-819"/>
+          <a:stretch>
+            <a:fillRect/>
+          </a:stretch>
+        </p:blipFill>
+        <p:spPr>
+          <a:xfrm>
+            <a:off x="3425723" y="3095034"/>
+            <a:ext cx="5002697" cy="3762966"/>
+          </a:xfrm>
+          <a:prstGeom prst="rect">
+            <a:avLst/>
+          </a:prstGeom>
+        </p:spPr>
+      </p:pic>
+      <p:sp>
+        <p:nvSpPr>
+          <p:cNvPr id="6" name="矩形 5"/>
+          <p:cNvSpPr/>
+          <p:nvPr/>
+        </p:nvSpPr>
+        <p:spPr>
+          <a:xfrm>
+            <a:off x="574053" y="1033651"/>
+            <a:ext cx="1605578" cy="707886"/>
+          </a:xfrm>
+          <a:prstGeom prst="rect">
+            <a:avLst/>
+          </a:prstGeom>
+          <a:noFill/>
+        </p:spPr>
+        <p:txBody>
+          <a:bodyPr wrap="none" lIns="91440" tIns="45720" rIns="91440" bIns="45720">
             <a:spAutoFit/>
           </a:bodyPr>
           <a:lstStyle/>
           <a:p>
-            <a:r>
-              <a:rPr kumimoji="1" lang="en-US" altLang="zh-CN" b="1" dirty="0" err="1" smtClean="0">
+            <a:pPr algn="ctr"/>
+            <a:r>
+              <a:rPr lang="en-US" altLang="zh-CN" sz="4000" b="1" cap="none" spc="0" dirty="0" smtClean="0">
+                <a:ln w="12700">
+                  <a:solidFill>
+                    <a:schemeClr val="tx2">
+                      <a:satMod val="155000"/>
+                    </a:schemeClr>
+                  </a:solidFill>
+                  <a:prstDash val="solid"/>
+                </a:ln>
                 <a:solidFill>
                   <a:schemeClr val="bg2">
-                    <a:lumMod val="25000"/>
+                    <a:tint val="85000"/>
+                    <a:satMod val="155000"/>
                   </a:schemeClr>
                 </a:solidFill>
+                <a:effectLst>
+                  <a:outerShdw blurRad="41275" dist="20320" dir="1800000" algn="tl" rotWithShape="0">
+                    <a:srgbClr val="000000">
+                      <a:alpha val="40000"/>
+                    </a:srgbClr>
+                  </a:outerShdw>
+                </a:effectLst>
               </a:rPr>
-              <a:t>Orange:good</a:t>
-            </a:r>
-            <a:r>
-              <a:rPr kumimoji="1" lang="en-US" altLang="zh-CN" b="1" dirty="0" smtClean="0">
+              <a:t>North</a:t>
+            </a:r>
+            <a:endParaRPr lang="zh-CN" altLang="en-US" sz="4000" b="1" cap="none" spc="0" dirty="0">
+              <a:ln w="12700">
+                <a:solidFill>
+                  <a:schemeClr val="tx2">
+                    <a:satMod val="155000"/>
+                  </a:schemeClr>
+                </a:solidFill>
+                <a:prstDash val="solid"/>
+              </a:ln>
+              <a:solidFill>
+                <a:schemeClr val="bg2">
+                  <a:tint val="85000"/>
+                  <a:satMod val="155000"/>
+                </a:schemeClr>
+              </a:solidFill>
+              <a:effectLst>
+                <a:outerShdw blurRad="41275" dist="20320" dir="1800000" algn="tl" rotWithShape="0">
+                  <a:srgbClr val="000000">
+                    <a:alpha val="40000"/>
+                  </a:srgbClr>
+                </a:outerShdw>
+              </a:effectLst>
+            </a:endParaRPr>
+          </a:p>
+        </p:txBody>
+      </p:sp>
+      <p:sp>
+        <p:nvSpPr>
+          <p:cNvPr id="7" name="矩形 6"/>
+          <p:cNvSpPr/>
+          <p:nvPr/>
+        </p:nvSpPr>
+        <p:spPr>
+          <a:xfrm>
+            <a:off x="567541" y="4752019"/>
+            <a:ext cx="1612090" cy="707886"/>
+          </a:xfrm>
+          <a:prstGeom prst="rect">
+            <a:avLst/>
+          </a:prstGeom>
+          <a:noFill/>
+        </p:spPr>
+        <p:txBody>
+          <a:bodyPr wrap="none" lIns="91440" tIns="45720" rIns="91440" bIns="45720">
+            <a:spAutoFit/>
+          </a:bodyPr>
+          <a:lstStyle/>
+          <a:p>
+            <a:pPr algn="ctr"/>
+            <a:r>
+              <a:rPr lang="en-US" altLang="zh-CN" sz="4000" b="1" dirty="0" smtClean="0">
+                <a:ln w="12700">
+                  <a:solidFill>
+                    <a:schemeClr val="tx2">
+                      <a:satMod val="155000"/>
+                    </a:schemeClr>
+                  </a:solidFill>
+                  <a:prstDash val="solid"/>
+                </a:ln>
                 <a:solidFill>
                   <a:schemeClr val="bg2">
-                    <a:lumMod val="25000"/>
+                    <a:tint val="85000"/>
+                    <a:satMod val="155000"/>
                   </a:schemeClr>
                 </a:solidFill>
+                <a:effectLst>
+                  <a:outerShdw blurRad="41275" dist="20320" dir="1800000" algn="tl" rotWithShape="0">
+                    <a:srgbClr val="000000">
+                      <a:alpha val="40000"/>
+                    </a:srgbClr>
+                  </a:outerShdw>
+                </a:effectLst>
               </a:rPr>
-              <a:t>  </a:t>
-            </a:r>
-            <a:r>
-              <a:rPr kumimoji="1" lang="en-US" altLang="zh-CN" b="1" dirty="0" err="1" smtClean="0">
+              <a:t>Sou</a:t>
+            </a:r>
+            <a:r>
+              <a:rPr lang="en-US" altLang="zh-CN" sz="4000" b="1" cap="none" spc="0" dirty="0" smtClean="0">
+                <a:ln w="12700">
+                  <a:solidFill>
+                    <a:schemeClr val="tx2">
+                      <a:satMod val="155000"/>
+                    </a:schemeClr>
+                  </a:solidFill>
+                  <a:prstDash val="solid"/>
+                </a:ln>
                 <a:solidFill>
                   <a:schemeClr val="bg2">
-                    <a:lumMod val="25000"/>
+                    <a:tint val="85000"/>
+                    <a:satMod val="155000"/>
                   </a:schemeClr>
                 </a:solidFill>
+                <a:effectLst>
+                  <a:outerShdw blurRad="41275" dist="20320" dir="1800000" algn="tl" rotWithShape="0">
+                    <a:srgbClr val="000000">
+                      <a:alpha val="40000"/>
+                    </a:srgbClr>
+                  </a:outerShdw>
+                </a:effectLst>
               </a:rPr>
-              <a:t>Blue:bad</a:t>
-            </a:r>
-            <a:endParaRPr kumimoji="1" lang="zh-CN" altLang="en-US" b="1" dirty="0">
+              <a:t>th</a:t>
+            </a:r>
+            <a:endParaRPr lang="zh-CN" altLang="en-US" sz="4000" b="1" cap="none" spc="0" dirty="0">
+              <a:ln w="12700">
+                <a:solidFill>
+                  <a:schemeClr val="tx2">
+                    <a:satMod val="155000"/>
+                  </a:schemeClr>
+                </a:solidFill>
+                <a:prstDash val="solid"/>
+              </a:ln>
               <a:solidFill>
                 <a:schemeClr val="bg2">
-                  <a:lumMod val="25000"/>
+                  <a:tint val="85000"/>
+                  <a:satMod val="155000"/>
                 </a:schemeClr>
               </a:solidFill>
+              <a:effectLst>
+                <a:outerShdw blurRad="41275" dist="20320" dir="1800000" algn="tl" rotWithShape="0">
+                  <a:srgbClr val="000000">
+                    <a:alpha val="40000"/>
+                  </a:srgbClr>
+                </a:outerShdw>
+              </a:effectLst>
             </a:endParaRPr>
           </a:p>
         </p:txBody>
@@ -4600,7 +4613,7 @@
     </p:spTree>
     <p:extLst>
       <p:ext uri="{BB962C8B-B14F-4D97-AF65-F5344CB8AC3E}">
-        <p14:creationId xmlns:p14="http://schemas.microsoft.com/office/powerpoint/2010/main" val="2364388580"/>
+        <p14:creationId xmlns:p14="http://schemas.microsoft.com/office/powerpoint/2010/main" val="2904468037"/>
       </p:ext>
     </p:extLst>
   </p:cSld>
@@ -4627,15 +4640,34 @@
           <a:chExt cx="0" cy="0"/>
         </a:xfrm>
       </p:grpSpPr>
+      <p:sp>
+        <p:nvSpPr>
+          <p:cNvPr id="2" name="标题 1"/>
+          <p:cNvSpPr>
+            <a:spLocks noGrp="1"/>
+          </p:cNvSpPr>
+          <p:nvPr>
+            <p:ph type="title"/>
+          </p:nvPr>
+        </p:nvSpPr>
+        <p:spPr/>
+        <p:txBody>
+          <a:bodyPr/>
+          <a:lstStyle/>
+          <a:p>
+            <a:r>
+              <a:rPr kumimoji="1" lang="en-US" altLang="zh-CN" b="1" dirty="0" smtClean="0"/>
+              <a:t>Feature Importance</a:t>
+            </a:r>
+            <a:endParaRPr kumimoji="1" lang="zh-CN" altLang="en-US" b="1" dirty="0"/>
+          </a:p>
+        </p:txBody>
+      </p:sp>
       <p:pic>
         <p:nvPicPr>
-          <p:cNvPr id="4" name="内容占位符 3"/>
-          <p:cNvPicPr>
-            <a:picLocks noGrp="1"/>
-          </p:cNvPicPr>
-          <p:nvPr>
-            <p:ph idx="1"/>
-          </p:nvPr>
+          <p:cNvPr id="5" name="图片 4"/>
+          <p:cNvPicPr/>
+          <p:nvPr/>
         </p:nvPicPr>
         <p:blipFill>
           <a:blip r:embed="rId2">
@@ -4645,15 +4677,14 @@
               </a:ext>
             </a:extLst>
           </a:blip>
-          <a:srcRect l="-253" r="-253"/>
           <a:stretch>
             <a:fillRect/>
           </a:stretch>
         </p:blipFill>
         <p:spPr>
           <a:xfrm>
-            <a:off x="3320853" y="0"/>
-            <a:ext cx="5270697" cy="3646726"/>
+            <a:off x="446188" y="1696254"/>
+            <a:ext cx="7436472" cy="4013264"/>
           </a:xfrm>
           <a:prstGeom prst="rect">
             <a:avLst/>
@@ -4662,13 +4693,15 @@
       </p:pic>
       <p:pic>
         <p:nvPicPr>
-          <p:cNvPr id="5" name="内容占位符 3"/>
+          <p:cNvPr id="4" name="内容占位符 3"/>
           <p:cNvPicPr>
-            <a:picLocks/>
+            <a:picLocks noGrp="1"/>
           </p:cNvPicPr>
-          <p:nvPr/>
+          <p:nvPr>
+            <p:ph idx="1"/>
+          </p:nvPr>
         </p:nvPicPr>
-        <p:blipFill>
+        <p:blipFill rotWithShape="1">
           <a:blip r:embed="rId3">
             <a:extLst>
               <a:ext uri="{28A0092B-C50C-407E-A947-70E740481C1C}">
@@ -4676,15 +4709,13 @@
               </a:ext>
             </a:extLst>
           </a:blip>
-          <a:srcRect t="-819" b="-819"/>
-          <a:stretch>
-            <a:fillRect/>
-          </a:stretch>
+          <a:srcRect l="15243" t="-1550" b="-1550"/>
+          <a:stretch/>
         </p:blipFill>
         <p:spPr>
           <a:xfrm>
-            <a:off x="3425723" y="3095034"/>
-            <a:ext cx="5002697" cy="3762966"/>
+            <a:off x="4584436" y="2151081"/>
+            <a:ext cx="4144837" cy="2711734"/>
           </a:xfrm>
           <a:prstGeom prst="rect">
             <a:avLst/>
@@ -4693,14 +4724,14 @@
       </p:pic>
       <p:sp>
         <p:nvSpPr>
-          <p:cNvPr id="6" name="矩形 5"/>
-          <p:cNvSpPr/>
+          <p:cNvPr id="3" name="文本框 2"/>
+          <p:cNvSpPr txBox="1"/>
           <p:nvPr/>
         </p:nvSpPr>
         <p:spPr>
           <a:xfrm>
-            <a:off x="574053" y="1033651"/>
-            <a:ext cx="1605578" cy="707886"/>
+            <a:off x="1398254" y="6087944"/>
+            <a:ext cx="1846817" cy="369332"/>
           </a:xfrm>
           <a:prstGeom prst="rect">
             <a:avLst/>
@@ -4708,74 +4739,37 @@
           <a:noFill/>
         </p:spPr>
         <p:txBody>
-          <a:bodyPr wrap="none" lIns="91440" tIns="45720" rIns="91440" bIns="45720">
+          <a:bodyPr wrap="none" rtlCol="0">
             <a:spAutoFit/>
           </a:bodyPr>
           <a:lstStyle/>
           <a:p>
-            <a:pPr algn="ctr"/>
-            <a:r>
-              <a:rPr lang="en-US" altLang="zh-CN" sz="4000" b="1" cap="none" spc="0" dirty="0" smtClean="0">
-                <a:ln w="12700">
-                  <a:solidFill>
-                    <a:schemeClr val="tx2">
-                      <a:satMod val="155000"/>
-                    </a:schemeClr>
-                  </a:solidFill>
-                  <a:prstDash val="solid"/>
-                </a:ln>
+            <a:r>
+              <a:rPr kumimoji="1" lang="en-US" altLang="zh-CN" b="1" dirty="0" smtClean="0">
                 <a:solidFill>
-                  <a:schemeClr val="bg2">
-                    <a:tint val="85000"/>
-                    <a:satMod val="155000"/>
-                  </a:schemeClr>
+                  <a:srgbClr val="184B5B"/>
                 </a:solidFill>
-                <a:effectLst>
-                  <a:outerShdw blurRad="41275" dist="20320" dir="1800000" algn="tl" rotWithShape="0">
-                    <a:srgbClr val="000000">
-                      <a:alpha val="40000"/>
-                    </a:srgbClr>
-                  </a:outerShdw>
-                </a:effectLst>
               </a:rPr>
-              <a:t>North</a:t>
-            </a:r>
-            <a:endParaRPr lang="zh-CN" altLang="en-US" sz="4000" b="1" cap="none" spc="0" dirty="0">
-              <a:ln w="12700">
-                <a:solidFill>
-                  <a:schemeClr val="tx2">
-                    <a:satMod val="155000"/>
-                  </a:schemeClr>
-                </a:solidFill>
-                <a:prstDash val="solid"/>
-              </a:ln>
+              <a:t>Random Forest</a:t>
+            </a:r>
+            <a:endParaRPr kumimoji="1" lang="zh-CN" altLang="en-US" b="1" dirty="0">
               <a:solidFill>
-                <a:schemeClr val="bg2">
-                  <a:tint val="85000"/>
-                  <a:satMod val="155000"/>
-                </a:schemeClr>
+                <a:srgbClr val="184B5B"/>
               </a:solidFill>
-              <a:effectLst>
-                <a:outerShdw blurRad="41275" dist="20320" dir="1800000" algn="tl" rotWithShape="0">
-                  <a:srgbClr val="000000">
-                    <a:alpha val="40000"/>
-                  </a:srgbClr>
-                </a:outerShdw>
-              </a:effectLst>
             </a:endParaRPr>
           </a:p>
         </p:txBody>
       </p:sp>
       <p:sp>
         <p:nvSpPr>
-          <p:cNvPr id="7" name="矩形 6"/>
-          <p:cNvSpPr/>
+          <p:cNvPr id="6" name="文本框 5"/>
+          <p:cNvSpPr txBox="1"/>
           <p:nvPr/>
         </p:nvSpPr>
         <p:spPr>
           <a:xfrm>
-            <a:off x="567541" y="4752019"/>
-            <a:ext cx="1612090" cy="707886"/>
+            <a:off x="5489070" y="6097846"/>
+            <a:ext cx="1711000" cy="369332"/>
           </a:xfrm>
           <a:prstGeom prst="rect">
             <a:avLst/>
@@ -4783,86 +4777,23 @@
           <a:noFill/>
         </p:spPr>
         <p:txBody>
-          <a:bodyPr wrap="none" lIns="91440" tIns="45720" rIns="91440" bIns="45720">
+          <a:bodyPr wrap="none" rtlCol="0">
             <a:spAutoFit/>
           </a:bodyPr>
           <a:lstStyle/>
           <a:p>
-            <a:pPr algn="ctr"/>
-            <a:r>
-              <a:rPr lang="en-US" altLang="zh-CN" sz="4000" b="1" dirty="0" smtClean="0">
-                <a:ln w="12700">
-                  <a:solidFill>
-                    <a:schemeClr val="tx2">
-                      <a:satMod val="155000"/>
-                    </a:schemeClr>
-                  </a:solidFill>
-                  <a:prstDash val="solid"/>
-                </a:ln>
+            <a:r>
+              <a:rPr kumimoji="1" lang="en-US" altLang="zh-CN" b="1" dirty="0" smtClean="0">
                 <a:solidFill>
-                  <a:schemeClr val="bg2">
-                    <a:tint val="85000"/>
-                    <a:satMod val="155000"/>
-                  </a:schemeClr>
+                  <a:srgbClr val="184B5B"/>
                 </a:solidFill>
-                <a:effectLst>
-                  <a:outerShdw blurRad="41275" dist="20320" dir="1800000" algn="tl" rotWithShape="0">
-                    <a:srgbClr val="000000">
-                      <a:alpha val="40000"/>
-                    </a:srgbClr>
-                  </a:outerShdw>
-                </a:effectLst>
               </a:rPr>
-              <a:t>Sou</a:t>
-            </a:r>
-            <a:r>
-              <a:rPr lang="en-US" altLang="zh-CN" sz="4000" b="1" cap="none" spc="0" dirty="0" smtClean="0">
-                <a:ln w="12700">
-                  <a:solidFill>
-                    <a:schemeClr val="tx2">
-                      <a:satMod val="155000"/>
-                    </a:schemeClr>
-                  </a:solidFill>
-                  <a:prstDash val="solid"/>
-                </a:ln>
-                <a:solidFill>
-                  <a:schemeClr val="bg2">
-                    <a:tint val="85000"/>
-                    <a:satMod val="155000"/>
-                  </a:schemeClr>
-                </a:solidFill>
-                <a:effectLst>
-                  <a:outerShdw blurRad="41275" dist="20320" dir="1800000" algn="tl" rotWithShape="0">
-                    <a:srgbClr val="000000">
-                      <a:alpha val="40000"/>
-                    </a:srgbClr>
-                  </a:outerShdw>
-                </a:effectLst>
-              </a:rPr>
-              <a:t>th</a:t>
-            </a:r>
-            <a:endParaRPr lang="zh-CN" altLang="en-US" sz="4000" b="1" cap="none" spc="0" dirty="0">
-              <a:ln w="12700">
-                <a:solidFill>
-                  <a:schemeClr val="tx2">
-                    <a:satMod val="155000"/>
-                  </a:schemeClr>
-                </a:solidFill>
-                <a:prstDash val="solid"/>
-              </a:ln>
+              <a:t>Decision Tree</a:t>
+            </a:r>
+            <a:endParaRPr kumimoji="1" lang="zh-CN" altLang="en-US" b="1" dirty="0">
               <a:solidFill>
-                <a:schemeClr val="bg2">
-                  <a:tint val="85000"/>
-                  <a:satMod val="155000"/>
-                </a:schemeClr>
+                <a:srgbClr val="184B5B"/>
               </a:solidFill>
-              <a:effectLst>
-                <a:outerShdw blurRad="41275" dist="20320" dir="1800000" algn="tl" rotWithShape="0">
-                  <a:srgbClr val="000000">
-                    <a:alpha val="40000"/>
-                  </a:srgbClr>
-                </a:outerShdw>
-              </a:effectLst>
             </a:endParaRPr>
           </a:p>
         </p:txBody>
@@ -4870,7 +4801,7 @@
     </p:spTree>
     <p:extLst>
       <p:ext uri="{BB962C8B-B14F-4D97-AF65-F5344CB8AC3E}">
-        <p14:creationId xmlns:p14="http://schemas.microsoft.com/office/powerpoint/2010/main" val="2904468037"/>
+        <p14:creationId xmlns:p14="http://schemas.microsoft.com/office/powerpoint/2010/main" val="3162155709"/>
       </p:ext>
     </p:extLst>
   </p:cSld>
@@ -4922,9 +4853,13 @@
       </p:sp>
       <p:pic>
         <p:nvPicPr>
-          <p:cNvPr id="5" name="图片 4"/>
-          <p:cNvPicPr/>
-          <p:nvPr/>
+          <p:cNvPr id="4" name="内容占位符 3"/>
+          <p:cNvPicPr>
+            <a:picLocks noGrp="1"/>
+          </p:cNvPicPr>
+          <p:nvPr>
+            <p:ph idx="1"/>
+          </p:nvPr>
         </p:nvPicPr>
         <p:blipFill>
           <a:blip r:embed="rId2">
@@ -4934,131 +4869,25 @@
               </a:ext>
             </a:extLst>
           </a:blip>
+          <a:srcRect t="-7108" b="-7108"/>
           <a:stretch>
             <a:fillRect/>
           </a:stretch>
         </p:blipFill>
         <p:spPr>
           <a:xfrm>
-            <a:off x="446188" y="1696254"/>
-            <a:ext cx="7436472" cy="4013264"/>
+            <a:off x="174625" y="1600200"/>
+            <a:ext cx="8867775" cy="4935538"/>
           </a:xfrm>
           <a:prstGeom prst="rect">
             <a:avLst/>
           </a:prstGeom>
         </p:spPr>
       </p:pic>
-      <p:pic>
-        <p:nvPicPr>
-          <p:cNvPr id="4" name="内容占位符 3"/>
-          <p:cNvPicPr>
-            <a:picLocks noGrp="1"/>
-          </p:cNvPicPr>
-          <p:nvPr>
-            <p:ph idx="1"/>
-          </p:nvPr>
-        </p:nvPicPr>
-        <p:blipFill rotWithShape="1">
-          <a:blip r:embed="rId3">
-            <a:extLst>
-              <a:ext uri="{28A0092B-C50C-407E-A947-70E740481C1C}">
-                <a14:useLocalDpi xmlns:a14="http://schemas.microsoft.com/office/drawing/2010/main" val="0"/>
-              </a:ext>
-            </a:extLst>
-          </a:blip>
-          <a:srcRect l="15243" t="-1550" b="-1550"/>
-          <a:stretch/>
-        </p:blipFill>
-        <p:spPr>
-          <a:xfrm>
-            <a:off x="4584436" y="2151081"/>
-            <a:ext cx="4144837" cy="2711734"/>
-          </a:xfrm>
-          <a:prstGeom prst="rect">
-            <a:avLst/>
-          </a:prstGeom>
-        </p:spPr>
-      </p:pic>
-      <p:sp>
-        <p:nvSpPr>
-          <p:cNvPr id="3" name="文本框 2"/>
-          <p:cNvSpPr txBox="1"/>
-          <p:nvPr/>
-        </p:nvSpPr>
-        <p:spPr>
-          <a:xfrm>
-            <a:off x="1398254" y="6087944"/>
-            <a:ext cx="1846817" cy="369332"/>
-          </a:xfrm>
-          <a:prstGeom prst="rect">
-            <a:avLst/>
-          </a:prstGeom>
-          <a:noFill/>
-        </p:spPr>
-        <p:txBody>
-          <a:bodyPr wrap="none" rtlCol="0">
-            <a:spAutoFit/>
-          </a:bodyPr>
-          <a:lstStyle/>
-          <a:p>
-            <a:r>
-              <a:rPr kumimoji="1" lang="en-US" altLang="zh-CN" b="1" dirty="0" smtClean="0">
-                <a:solidFill>
-                  <a:srgbClr val="184B5B"/>
-                </a:solidFill>
-              </a:rPr>
-              <a:t>Random Forest</a:t>
-            </a:r>
-            <a:endParaRPr kumimoji="1" lang="zh-CN" altLang="en-US" b="1" dirty="0">
-              <a:solidFill>
-                <a:srgbClr val="184B5B"/>
-              </a:solidFill>
-            </a:endParaRPr>
-          </a:p>
-        </p:txBody>
-      </p:sp>
-      <p:sp>
-        <p:nvSpPr>
-          <p:cNvPr id="6" name="文本框 5"/>
-          <p:cNvSpPr txBox="1"/>
-          <p:nvPr/>
-        </p:nvSpPr>
-        <p:spPr>
-          <a:xfrm>
-            <a:off x="5489070" y="6097846"/>
-            <a:ext cx="1711000" cy="369332"/>
-          </a:xfrm>
-          <a:prstGeom prst="rect">
-            <a:avLst/>
-          </a:prstGeom>
-          <a:noFill/>
-        </p:spPr>
-        <p:txBody>
-          <a:bodyPr wrap="none" rtlCol="0">
-            <a:spAutoFit/>
-          </a:bodyPr>
-          <a:lstStyle/>
-          <a:p>
-            <a:r>
-              <a:rPr kumimoji="1" lang="en-US" altLang="zh-CN" b="1" dirty="0" smtClean="0">
-                <a:solidFill>
-                  <a:srgbClr val="184B5B"/>
-                </a:solidFill>
-              </a:rPr>
-              <a:t>Decision Tree</a:t>
-            </a:r>
-            <a:endParaRPr kumimoji="1" lang="zh-CN" altLang="en-US" b="1" dirty="0">
-              <a:solidFill>
-                <a:srgbClr val="184B5B"/>
-              </a:solidFill>
-            </a:endParaRPr>
-          </a:p>
-        </p:txBody>
-      </p:sp>
     </p:spTree>
     <p:extLst>
       <p:ext uri="{BB962C8B-B14F-4D97-AF65-F5344CB8AC3E}">
-        <p14:creationId xmlns:p14="http://schemas.microsoft.com/office/powerpoint/2010/main" val="3162155709"/>
+        <p14:creationId xmlns:p14="http://schemas.microsoft.com/office/powerpoint/2010/main" val="3815879467"/>
       </p:ext>
     </p:extLst>
   </p:cSld>
@@ -5101,8 +4930,8 @@
           <a:lstStyle/>
           <a:p>
             <a:r>
-              <a:rPr kumimoji="1" lang="en-US" altLang="zh-CN" b="1" dirty="0" smtClean="0"/>
-              <a:t>Feature Importance</a:t>
+              <a:rPr lang="en-US" altLang="zh-CN" b="1" dirty="0"/>
+              <a:t>Poverty vs. Graduation rate </a:t>
             </a:r>
             <a:endParaRPr kumimoji="1" lang="zh-CN" altLang="en-US" b="1" dirty="0"/>
           </a:p>
@@ -5126,15 +4955,15 @@
               </a:ext>
             </a:extLst>
           </a:blip>
-          <a:srcRect t="-7108" b="-7108"/>
+          <a:srcRect t="7734" b="7734"/>
           <a:stretch>
             <a:fillRect/>
           </a:stretch>
         </p:blipFill>
         <p:spPr>
           <a:xfrm>
-            <a:off x="174625" y="1600200"/>
-            <a:ext cx="8867775" cy="4935538"/>
+            <a:off x="549275" y="1627603"/>
+            <a:ext cx="8042275" cy="4499068"/>
           </a:xfrm>
           <a:prstGeom prst="rect">
             <a:avLst/>
@@ -5144,7 +4973,7 @@
     </p:spTree>
     <p:extLst>
       <p:ext uri="{BB962C8B-B14F-4D97-AF65-F5344CB8AC3E}">
-        <p14:creationId xmlns:p14="http://schemas.microsoft.com/office/powerpoint/2010/main" val="3815879467"/>
+        <p14:creationId xmlns:p14="http://schemas.microsoft.com/office/powerpoint/2010/main" val="1320868244"/>
       </p:ext>
     </p:extLst>
   </p:cSld>
@@ -5181,16 +5010,25 @@
             <p:ph type="title"/>
           </p:nvPr>
         </p:nvSpPr>
-        <p:spPr/>
+        <p:spPr>
+          <a:xfrm>
+            <a:off x="652242" y="279205"/>
+            <a:ext cx="8042276" cy="1336956"/>
+          </a:xfrm>
+        </p:spPr>
         <p:txBody>
           <a:bodyPr/>
           <a:lstStyle/>
           <a:p>
             <a:r>
-              <a:rPr lang="en-US" altLang="zh-CN" b="1" dirty="0"/>
-              <a:t>Poverty vs. Graduation rate </a:t>
-            </a:r>
-            <a:endParaRPr kumimoji="1" lang="zh-CN" altLang="en-US" b="1" dirty="0"/>
+              <a:rPr lang="en-US" altLang="zh-CN" sz="4000" b="1" dirty="0"/>
+              <a:t>Household Movement vs. Graduation </a:t>
+            </a:r>
+            <a:r>
+              <a:rPr lang="en-US" altLang="zh-CN" sz="4000" b="1" dirty="0" smtClean="0"/>
+              <a:t>Rate</a:t>
+            </a:r>
+            <a:endParaRPr kumimoji="1" lang="zh-CN" altLang="en-US" sz="4000" b="1" dirty="0"/>
           </a:p>
         </p:txBody>
       </p:sp>
@@ -5204,7 +5042,7 @@
             <p:ph idx="1"/>
           </p:nvPr>
         </p:nvPicPr>
-        <p:blipFill>
+        <p:blipFill rotWithShape="1">
           <a:blip r:embed="rId2">
             <a:extLst>
               <a:ext uri="{28A0092B-C50C-407E-A947-70E740481C1C}">
@@ -5212,15 +5050,13 @@
               </a:ext>
             </a:extLst>
           </a:blip>
-          <a:srcRect t="7734" b="7734"/>
-          <a:stretch>
-            <a:fillRect/>
-          </a:stretch>
+          <a:srcRect t="1665" r="12682" b="251"/>
+          <a:stretch/>
         </p:blipFill>
         <p:spPr>
           <a:xfrm>
-            <a:off x="549275" y="1627603"/>
-            <a:ext cx="8042275" cy="4499068"/>
+            <a:off x="302955" y="1616161"/>
+            <a:ext cx="8587611" cy="4978238"/>
           </a:xfrm>
           <a:prstGeom prst="rect">
             <a:avLst/>
@@ -5230,7 +5066,7 @@
     </p:spTree>
     <p:extLst>
       <p:ext uri="{BB962C8B-B14F-4D97-AF65-F5344CB8AC3E}">
-        <p14:creationId xmlns:p14="http://schemas.microsoft.com/office/powerpoint/2010/main" val="1320868244"/>
+        <p14:creationId xmlns:p14="http://schemas.microsoft.com/office/powerpoint/2010/main" val="2518617248"/>
       </p:ext>
     </p:extLst>
   </p:cSld>
@@ -5269,8 +5105,8 @@
         </p:nvSpPr>
         <p:spPr>
           <a:xfrm>
-            <a:off x="652242" y="279205"/>
-            <a:ext cx="8042276" cy="1336956"/>
+            <a:off x="549275" y="107576"/>
+            <a:ext cx="8042276" cy="979406"/>
           </a:xfrm>
         </p:spPr>
         <p:txBody>
@@ -5278,14 +5114,10 @@
           <a:lstStyle/>
           <a:p>
             <a:r>
-              <a:rPr lang="en-US" altLang="zh-CN" sz="4000" b="1" dirty="0"/>
-              <a:t>Household Movement vs. Graduation </a:t>
-            </a:r>
-            <a:r>
-              <a:rPr lang="en-US" altLang="zh-CN" sz="4000" b="1" dirty="0" smtClean="0"/>
-              <a:t>Rate</a:t>
-            </a:r>
-            <a:endParaRPr kumimoji="1" lang="zh-CN" altLang="en-US" sz="4000" b="1" dirty="0"/>
+              <a:rPr kumimoji="1" lang="en-US" altLang="zh-CN" b="1" dirty="0" smtClean="0"/>
+              <a:t>Poverty, Movement &amp; GR</a:t>
+            </a:r>
+            <a:endParaRPr kumimoji="1" lang="zh-CN" altLang="en-US" b="1" dirty="0"/>
           </a:p>
         </p:txBody>
       </p:sp>
@@ -5299,7 +5131,7 @@
             <p:ph idx="1"/>
           </p:nvPr>
         </p:nvPicPr>
-        <p:blipFill rotWithShape="1">
+        <p:blipFill>
           <a:blip r:embed="rId2">
             <a:extLst>
               <a:ext uri="{28A0092B-C50C-407E-A947-70E740481C1C}">
@@ -5307,13 +5139,15 @@
               </a:ext>
             </a:extLst>
           </a:blip>
-          <a:srcRect t="1665" r="12682" b="251"/>
-          <a:stretch/>
+          <a:srcRect l="-20900" r="-20900"/>
+          <a:stretch>
+            <a:fillRect/>
+          </a:stretch>
         </p:blipFill>
         <p:spPr>
           <a:xfrm>
-            <a:off x="302955" y="1616161"/>
-            <a:ext cx="8587611" cy="4978238"/>
+            <a:off x="549274" y="1086982"/>
+            <a:ext cx="8191439" cy="5595099"/>
           </a:xfrm>
           <a:prstGeom prst="rect">
             <a:avLst/>
@@ -5323,13 +5157,20 @@
     </p:spTree>
     <p:extLst>
       <p:ext uri="{BB962C8B-B14F-4D97-AF65-F5344CB8AC3E}">
-        <p14:creationId xmlns:p14="http://schemas.microsoft.com/office/powerpoint/2010/main" val="2518617248"/>
+        <p14:creationId xmlns:p14="http://schemas.microsoft.com/office/powerpoint/2010/main" val="2597820"/>
       </p:ext>
     </p:extLst>
   </p:cSld>
   <p:clrMapOvr>
     <a:masterClrMapping/>
   </p:clrMapOvr>
+  <p:timing>
+    <p:tnLst>
+      <p:par>
+        <p:cTn xmlns:p14="http://schemas.microsoft.com/office/powerpoint/2010/main" id="1" dur="indefinite" restart="never" nodeType="tmRoot"/>
+      </p:par>
+    </p:tnLst>
+  </p:timing>
 </p:sld>
 </file>
 
@@ -5362,8 +5203,8 @@
         </p:nvSpPr>
         <p:spPr>
           <a:xfrm>
-            <a:off x="549275" y="107576"/>
-            <a:ext cx="8042276" cy="979406"/>
+            <a:off x="549275" y="107575"/>
+            <a:ext cx="8042276" cy="1492625"/>
           </a:xfrm>
         </p:spPr>
         <p:txBody>
@@ -5372,7 +5213,19 @@
           <a:p>
             <a:r>
               <a:rPr kumimoji="1" lang="en-US" altLang="zh-CN" b="1" dirty="0" smtClean="0"/>
-              <a:t>Poverty, Movement &amp; GR</a:t>
+              <a:t>Population E</a:t>
+            </a:r>
+            <a:r>
+              <a:rPr kumimoji="1" lang="en-US" altLang="zh-CN" b="1" dirty="0" smtClean="0"/>
+              <a:t>ducation</a:t>
+            </a:r>
+            <a:r>
+              <a:rPr kumimoji="1" lang="en-US" altLang="zh-CN" b="1" dirty="0" smtClean="0"/>
+              <a:t> </a:t>
+            </a:r>
+            <a:r>
+              <a:rPr kumimoji="1" lang="en-US" altLang="zh-CN" b="1" dirty="0" smtClean="0"/>
+              <a:t>Level vs. GR</a:t>
             </a:r>
             <a:endParaRPr kumimoji="1" lang="zh-CN" altLang="en-US" b="1" dirty="0"/>
           </a:p>
@@ -5380,7 +5233,7 @@
       </p:sp>
       <p:pic>
         <p:nvPicPr>
-          <p:cNvPr id="4" name="内容占位符 3"/>
+          <p:cNvPr id="7" name="内容占位符 6" descr="college.PNG"/>
           <p:cNvPicPr>
             <a:picLocks noGrp="1"/>
           </p:cNvPicPr>
@@ -5389,22 +5242,16 @@
           </p:nvPr>
         </p:nvPicPr>
         <p:blipFill>
-          <a:blip r:embed="rId2">
-            <a:extLst>
-              <a:ext uri="{28A0092B-C50C-407E-A947-70E740481C1C}">
-                <a14:useLocalDpi xmlns:a14="http://schemas.microsoft.com/office/drawing/2010/main" val="0"/>
-              </a:ext>
-            </a:extLst>
-          </a:blip>
-          <a:srcRect l="-20900" r="-20900"/>
+          <a:blip r:embed="rId2"/>
+          <a:srcRect l="-1219" r="-1219"/>
           <a:stretch>
             <a:fillRect/>
           </a:stretch>
         </p:blipFill>
         <p:spPr>
           <a:xfrm>
-            <a:off x="549274" y="1086982"/>
-            <a:ext cx="8191439" cy="5595099"/>
+            <a:off x="549275" y="1600201"/>
+            <a:ext cx="8042276" cy="4967460"/>
           </a:xfrm>
           <a:prstGeom prst="rect">
             <a:avLst/>
@@ -5414,7 +5261,7 @@
     </p:spTree>
     <p:extLst>
       <p:ext uri="{BB962C8B-B14F-4D97-AF65-F5344CB8AC3E}">
-        <p14:creationId xmlns:p14="http://schemas.microsoft.com/office/powerpoint/2010/main" val="2597820"/>
+        <p14:creationId xmlns:p14="http://schemas.microsoft.com/office/powerpoint/2010/main" val="3302970361"/>
       </p:ext>
     </p:extLst>
   </p:cSld>
@@ -5578,21 +5425,16 @@
             <p:ph type="title"/>
           </p:nvPr>
         </p:nvSpPr>
-        <p:spPr>
-          <a:xfrm>
-            <a:off x="549275" y="107576"/>
-            <a:ext cx="8042276" cy="1059500"/>
-          </a:xfrm>
-        </p:spPr>
+        <p:spPr/>
         <p:txBody>
           <a:bodyPr/>
           <a:lstStyle/>
           <a:p>
             <a:r>
-              <a:rPr kumimoji="1" lang="en-US" altLang="zh-CN" b="1" dirty="0" smtClean="0"/>
-              <a:t>English Level vs. GR</a:t>
-            </a:r>
-            <a:endParaRPr kumimoji="1" lang="zh-CN" altLang="en-US" b="1" dirty="0"/>
+              <a:rPr lang="en-US" altLang="zh-CN" sz="4000" b="1" dirty="0"/>
+              <a:t>Linear regression of GR vs. family marriage status </a:t>
+            </a:r>
+            <a:endParaRPr kumimoji="1" lang="zh-CN" altLang="en-US" sz="4000" b="1" dirty="0"/>
           </a:p>
         </p:txBody>
       </p:sp>
@@ -5614,15 +5456,15 @@
               </a:ext>
             </a:extLst>
           </a:blip>
-          <a:srcRect l="-5418" r="-5418"/>
+          <a:srcRect l="-33440" r="-33440"/>
           <a:stretch>
             <a:fillRect/>
           </a:stretch>
         </p:blipFill>
         <p:spPr>
           <a:xfrm>
-            <a:off x="549275" y="1325595"/>
-            <a:ext cx="8042276" cy="4761506"/>
+            <a:off x="205933" y="1600201"/>
+            <a:ext cx="8832240" cy="5047554"/>
           </a:xfrm>
           <a:prstGeom prst="rect">
             <a:avLst/>
@@ -5632,7 +5474,7 @@
     </p:spTree>
     <p:extLst>
       <p:ext uri="{BB962C8B-B14F-4D97-AF65-F5344CB8AC3E}">
-        <p14:creationId xmlns:p14="http://schemas.microsoft.com/office/powerpoint/2010/main" val="3302970361"/>
+        <p14:creationId xmlns:p14="http://schemas.microsoft.com/office/powerpoint/2010/main" val="4036736577"/>
       </p:ext>
     </p:extLst>
   </p:cSld>
@@ -5676,69 +5518,128 @@
             <p:ph type="title"/>
           </p:nvPr>
         </p:nvSpPr>
-        <p:spPr/>
+        <p:spPr>
+          <a:xfrm>
+            <a:off x="549275" y="107576"/>
+            <a:ext cx="8042276" cy="933639"/>
+          </a:xfrm>
+        </p:spPr>
         <p:txBody>
           <a:bodyPr/>
           <a:lstStyle/>
           <a:p>
             <a:r>
-              <a:rPr lang="en-US" altLang="zh-CN" sz="4000" b="1" dirty="0"/>
-              <a:t>Linear regression of GR vs. family marriage status </a:t>
-            </a:r>
-            <a:endParaRPr kumimoji="1" lang="zh-CN" altLang="en-US" sz="4000" b="1" dirty="0"/>
-          </a:p>
-        </p:txBody>
-      </p:sp>
-      <p:pic>
-        <p:nvPicPr>
-          <p:cNvPr id="4" name="内容占位符 3"/>
-          <p:cNvPicPr>
-            <a:picLocks noGrp="1"/>
-          </p:cNvPicPr>
+              <a:rPr lang="en-US" altLang="zh-CN" sz="4400" b="1" dirty="0" smtClean="0"/>
+              <a:t>Conclusion </a:t>
+            </a:r>
+            <a:endParaRPr kumimoji="1" lang="zh-CN" altLang="en-US" sz="4400" dirty="0"/>
+          </a:p>
+        </p:txBody>
+      </p:sp>
+      <p:sp>
+        <p:nvSpPr>
+          <p:cNvPr id="3" name="内容占位符 2"/>
+          <p:cNvSpPr>
+            <a:spLocks noGrp="1"/>
+          </p:cNvSpPr>
           <p:nvPr>
             <p:ph idx="1"/>
           </p:nvPr>
-        </p:nvPicPr>
-        <p:blipFill>
-          <a:blip r:embed="rId2">
-            <a:extLst>
-              <a:ext uri="{28A0092B-C50C-407E-A947-70E740481C1C}">
-                <a14:useLocalDpi xmlns:a14="http://schemas.microsoft.com/office/drawing/2010/main" val="0"/>
-              </a:ext>
-            </a:extLst>
-          </a:blip>
-          <a:srcRect l="-33440" r="-33440"/>
-          <a:stretch>
-            <a:fillRect/>
-          </a:stretch>
-        </p:blipFill>
+        </p:nvSpPr>
         <p:spPr>
           <a:xfrm>
-            <a:off x="205933" y="1600201"/>
-            <a:ext cx="8832240" cy="5047554"/>
+            <a:off x="549275" y="1201401"/>
+            <a:ext cx="8042276" cy="5377702"/>
           </a:xfrm>
-          <a:prstGeom prst="rect">
-            <a:avLst/>
-          </a:prstGeom>
-        </p:spPr>
-      </p:pic>
+        </p:spPr>
+        <p:txBody>
+          <a:bodyPr>
+            <a:normAutofit/>
+          </a:bodyPr>
+          <a:lstStyle/>
+          <a:p>
+            <a:r>
+              <a:rPr lang="en-US" altLang="zh-CN" dirty="0"/>
+              <a:t>1. Northern states have higher average graduation rate than southern states, due to better school-system quality in northern states.  Government should improve school system in southern </a:t>
+            </a:r>
+            <a:r>
+              <a:rPr lang="en-US" altLang="zh-CN" dirty="0" smtClean="0"/>
+              <a:t>states</a:t>
+            </a:r>
+          </a:p>
+          <a:p>
+            <a:r>
+              <a:rPr lang="en-US" altLang="zh-CN" dirty="0" smtClean="0"/>
+              <a:t>2</a:t>
+            </a:r>
+            <a:r>
+              <a:rPr lang="en-US" altLang="zh-CN" dirty="0"/>
+              <a:t>. Poverty level has negative </a:t>
+            </a:r>
+            <a:r>
+              <a:rPr lang="en-US" altLang="zh-CN" dirty="0" smtClean="0"/>
+              <a:t>correlation with </a:t>
+            </a:r>
+            <a:r>
+              <a:rPr lang="en-US" altLang="zh-CN" dirty="0"/>
+              <a:t>graduation </a:t>
+            </a:r>
+            <a:r>
+              <a:rPr lang="en-US" altLang="zh-CN" dirty="0" smtClean="0"/>
+              <a:t>rate.  Government </a:t>
+            </a:r>
+            <a:r>
+              <a:rPr lang="en-US" altLang="zh-CN" dirty="0"/>
+              <a:t>can </a:t>
+            </a:r>
+            <a:r>
+              <a:rPr lang="en-US" altLang="zh-CN" dirty="0" smtClean="0"/>
+              <a:t>provide </a:t>
+            </a:r>
+            <a:r>
+              <a:rPr lang="en-US" altLang="zh-CN" dirty="0"/>
+              <a:t>more benefits for </a:t>
+            </a:r>
+            <a:r>
+              <a:rPr lang="en-US" altLang="zh-CN" dirty="0" smtClean="0"/>
+              <a:t>poverty families </a:t>
+            </a:r>
+            <a:r>
+              <a:rPr lang="en-US" altLang="zh-CN" dirty="0"/>
+              <a:t>with students going to high school. </a:t>
+            </a:r>
+          </a:p>
+          <a:p>
+            <a:r>
+              <a:rPr lang="en-US" altLang="zh-CN" dirty="0"/>
+              <a:t>3. </a:t>
+            </a:r>
+            <a:r>
+              <a:rPr lang="en-US" altLang="zh-CN" dirty="0" smtClean="0"/>
+              <a:t>The </a:t>
+            </a:r>
+            <a:r>
+              <a:rPr lang="en-US" altLang="zh-CN" dirty="0"/>
+              <a:t>more frequency a household moves, the lower the graduation rate.  The government should </a:t>
+            </a:r>
+            <a:r>
+              <a:rPr lang="en-US" altLang="zh-CN" dirty="0" smtClean="0"/>
+              <a:t> make movement and transfer process simpler.</a:t>
+            </a:r>
+            <a:endParaRPr kumimoji="1" lang="zh-CN" altLang="en-US" dirty="0"/>
+          </a:p>
+        </p:txBody>
+      </p:sp>
     </p:spTree>
     <p:extLst>
       <p:ext uri="{BB962C8B-B14F-4D97-AF65-F5344CB8AC3E}">
-        <p14:creationId xmlns:p14="http://schemas.microsoft.com/office/powerpoint/2010/main" val="4036736577"/>
+        <p14:creationId xmlns:p14="http://schemas.microsoft.com/office/powerpoint/2010/main" val="703076840"/>
       </p:ext>
     </p:extLst>
   </p:cSld>
   <p:clrMapOvr>
     <a:masterClrMapping/>
   </p:clrMapOvr>
-  <p:timing>
-    <p:tnLst>
-      <p:par>
-        <p:cTn xmlns:p14="http://schemas.microsoft.com/office/powerpoint/2010/main" id="1" dur="indefinite" restart="never" nodeType="tmRoot"/>
-      </p:par>
-    </p:tnLst>
-  </p:timing>
 </p:sld>
 </file>
 
@@ -5769,260 +5670,6 @@
             <p:ph type="title"/>
           </p:nvPr>
         </p:nvSpPr>
-        <p:spPr/>
-        <p:txBody>
-          <a:bodyPr/>
-          <a:lstStyle/>
-          <a:p>
-            <a:r>
-              <a:rPr kumimoji="1" lang="en-US" altLang="zh-CN" b="1" dirty="0" smtClean="0"/>
-              <a:t>KNN </a:t>
-            </a:r>
-            <a:r>
-              <a:rPr kumimoji="1" lang="en-US" altLang="zh-CN" b="1" dirty="0"/>
-              <a:t>M</a:t>
-            </a:r>
-            <a:r>
-              <a:rPr kumimoji="1" lang="en-US" altLang="zh-CN" b="1" dirty="0" smtClean="0"/>
-              <a:t>odel </a:t>
-            </a:r>
-            <a:r>
-              <a:rPr kumimoji="1" lang="en-US" altLang="zh-CN" b="1" dirty="0"/>
-              <a:t>P</a:t>
-            </a:r>
-            <a:r>
-              <a:rPr kumimoji="1" lang="en-US" altLang="zh-CN" b="1" dirty="0" smtClean="0"/>
-              <a:t>rediction</a:t>
-            </a:r>
-            <a:endParaRPr kumimoji="1" lang="zh-CN" altLang="en-US" b="1" dirty="0"/>
-          </a:p>
-        </p:txBody>
-      </p:sp>
-      <p:pic>
-        <p:nvPicPr>
-          <p:cNvPr id="4" name="内容占位符 3"/>
-          <p:cNvPicPr>
-            <a:picLocks noGrp="1"/>
-          </p:cNvPicPr>
-          <p:nvPr>
-            <p:ph idx="1"/>
-          </p:nvPr>
-        </p:nvPicPr>
-        <p:blipFill>
-          <a:blip r:embed="rId2">
-            <a:extLst>
-              <a:ext uri="{28A0092B-C50C-407E-A947-70E740481C1C}">
-                <a14:useLocalDpi xmlns:a14="http://schemas.microsoft.com/office/drawing/2010/main" val="0"/>
-              </a:ext>
-            </a:extLst>
-          </a:blip>
-          <a:srcRect l="-131" r="-131"/>
-          <a:stretch>
-            <a:fillRect/>
-          </a:stretch>
-        </p:blipFill>
-        <p:spPr>
-          <a:xfrm>
-            <a:off x="366223" y="1600201"/>
-            <a:ext cx="8420254" cy="4887368"/>
-          </a:xfrm>
-          <a:prstGeom prst="rect">
-            <a:avLst/>
-          </a:prstGeom>
-        </p:spPr>
-      </p:pic>
-    </p:spTree>
-    <p:extLst>
-      <p:ext uri="{BB962C8B-B14F-4D97-AF65-F5344CB8AC3E}">
-        <p14:creationId xmlns:p14="http://schemas.microsoft.com/office/powerpoint/2010/main" val="504243912"/>
-      </p:ext>
-    </p:extLst>
-  </p:cSld>
-  <p:clrMapOvr>
-    <a:masterClrMapping/>
-  </p:clrMapOvr>
-</p:sld>
-</file>
-
-<file path=ppt/slides/slide23.xml><?xml version="1.0" encoding="utf-8"?>
-<p:sld xmlns:a="http://schemas.openxmlformats.org/drawingml/2006/main" xmlns:r="http://schemas.openxmlformats.org/officeDocument/2006/relationships" xmlns:p="http://schemas.openxmlformats.org/presentationml/2006/main">
-  <p:cSld>
-    <p:spTree>
-      <p:nvGrpSpPr>
-        <p:cNvPr id="1" name=""/>
-        <p:cNvGrpSpPr/>
-        <p:nvPr/>
-      </p:nvGrpSpPr>
-      <p:grpSpPr>
-        <a:xfrm>
-          <a:off x="0" y="0"/>
-          <a:ext cx="0" cy="0"/>
-          <a:chOff x="0" y="0"/>
-          <a:chExt cx="0" cy="0"/>
-        </a:xfrm>
-      </p:grpSpPr>
-      <p:sp>
-        <p:nvSpPr>
-          <p:cNvPr id="2" name="标题 1"/>
-          <p:cNvSpPr>
-            <a:spLocks noGrp="1"/>
-          </p:cNvSpPr>
-          <p:nvPr>
-            <p:ph type="title"/>
-          </p:nvPr>
-        </p:nvSpPr>
-        <p:spPr>
-          <a:xfrm>
-            <a:off x="549275" y="107576"/>
-            <a:ext cx="8042276" cy="933639"/>
-          </a:xfrm>
-        </p:spPr>
-        <p:txBody>
-          <a:bodyPr/>
-          <a:lstStyle/>
-          <a:p>
-            <a:r>
-              <a:rPr lang="en-US" altLang="zh-CN" sz="4400" b="1" dirty="0" smtClean="0"/>
-              <a:t>Conclusion </a:t>
-            </a:r>
-            <a:endParaRPr kumimoji="1" lang="zh-CN" altLang="en-US" sz="4400" dirty="0"/>
-          </a:p>
-        </p:txBody>
-      </p:sp>
-      <p:sp>
-        <p:nvSpPr>
-          <p:cNvPr id="3" name="内容占位符 2"/>
-          <p:cNvSpPr>
-            <a:spLocks noGrp="1"/>
-          </p:cNvSpPr>
-          <p:nvPr>
-            <p:ph idx="1"/>
-          </p:nvPr>
-        </p:nvSpPr>
-        <p:spPr>
-          <a:xfrm>
-            <a:off x="549275" y="1201401"/>
-            <a:ext cx="8042276" cy="5377702"/>
-          </a:xfrm>
-        </p:spPr>
-        <p:txBody>
-          <a:bodyPr>
-            <a:normAutofit/>
-          </a:bodyPr>
-          <a:lstStyle/>
-          <a:p>
-            <a:r>
-              <a:rPr lang="en-US" altLang="zh-CN" dirty="0"/>
-              <a:t>1. Northern states have higher average graduation rate than southern states, due to better school-system quality in northern states.  Government should improve school system in southern </a:t>
-            </a:r>
-            <a:r>
-              <a:rPr lang="en-US" altLang="zh-CN" dirty="0" smtClean="0"/>
-              <a:t>states</a:t>
-            </a:r>
-          </a:p>
-          <a:p>
-            <a:r>
-              <a:rPr lang="en-US" altLang="zh-CN" dirty="0" smtClean="0"/>
-              <a:t>2</a:t>
-            </a:r>
-            <a:r>
-              <a:rPr lang="en-US" altLang="zh-CN" dirty="0"/>
-              <a:t>. Poverty level has negative </a:t>
-            </a:r>
-            <a:r>
-              <a:rPr lang="en-US" altLang="zh-CN" dirty="0" smtClean="0"/>
-              <a:t>correlation with </a:t>
-            </a:r>
-            <a:r>
-              <a:rPr lang="en-US" altLang="zh-CN" dirty="0"/>
-              <a:t>graduation </a:t>
-            </a:r>
-            <a:r>
-              <a:rPr lang="en-US" altLang="zh-CN" dirty="0" smtClean="0"/>
-              <a:t>rate.  Government </a:t>
-            </a:r>
-            <a:r>
-              <a:rPr lang="en-US" altLang="zh-CN" dirty="0"/>
-              <a:t>can </a:t>
-            </a:r>
-            <a:r>
-              <a:rPr lang="en-US" altLang="zh-CN" dirty="0" smtClean="0"/>
-              <a:t>provide </a:t>
-            </a:r>
-            <a:r>
-              <a:rPr lang="en-US" altLang="zh-CN" dirty="0"/>
-              <a:t>more benefits for </a:t>
-            </a:r>
-            <a:r>
-              <a:rPr lang="en-US" altLang="zh-CN" dirty="0" smtClean="0"/>
-              <a:t>poverty families </a:t>
-            </a:r>
-            <a:r>
-              <a:rPr lang="en-US" altLang="zh-CN" dirty="0"/>
-              <a:t>with students going to high school. </a:t>
-            </a:r>
-          </a:p>
-          <a:p>
-            <a:r>
-              <a:rPr lang="en-US" altLang="zh-CN" dirty="0"/>
-              <a:t>3. </a:t>
-            </a:r>
-            <a:r>
-              <a:rPr lang="en-US" altLang="zh-CN" dirty="0" smtClean="0"/>
-              <a:t>The </a:t>
-            </a:r>
-            <a:r>
-              <a:rPr lang="en-US" altLang="zh-CN" dirty="0"/>
-              <a:t>more frequency a household moves, the lower the graduation rate.  The government should </a:t>
-            </a:r>
-            <a:r>
-              <a:rPr lang="en-US" altLang="zh-CN" dirty="0" smtClean="0"/>
-              <a:t> make movement and transfer process simpler.</a:t>
-            </a:r>
-            <a:endParaRPr kumimoji="1" lang="zh-CN" altLang="en-US" dirty="0"/>
-          </a:p>
-        </p:txBody>
-      </p:sp>
-    </p:spTree>
-    <p:extLst>
-      <p:ext uri="{BB962C8B-B14F-4D97-AF65-F5344CB8AC3E}">
-        <p14:creationId xmlns:p14="http://schemas.microsoft.com/office/powerpoint/2010/main" val="703076840"/>
-      </p:ext>
-    </p:extLst>
-  </p:cSld>
-  <p:clrMapOvr>
-    <a:masterClrMapping/>
-  </p:clrMapOvr>
-</p:sld>
-</file>
-
-<file path=ppt/slides/slide24.xml><?xml version="1.0" encoding="utf-8"?>
-<p:sld xmlns:a="http://schemas.openxmlformats.org/drawingml/2006/main" xmlns:r="http://schemas.openxmlformats.org/officeDocument/2006/relationships" xmlns:p="http://schemas.openxmlformats.org/presentationml/2006/main">
-  <p:cSld>
-    <p:spTree>
-      <p:nvGrpSpPr>
-        <p:cNvPr id="1" name=""/>
-        <p:cNvGrpSpPr/>
-        <p:nvPr/>
-      </p:nvGrpSpPr>
-      <p:grpSpPr>
-        <a:xfrm>
-          <a:off x="0" y="0"/>
-          <a:ext cx="0" cy="0"/>
-          <a:chOff x="0" y="0"/>
-          <a:chExt cx="0" cy="0"/>
-        </a:xfrm>
-      </p:grpSpPr>
-      <p:sp>
-        <p:nvSpPr>
-          <p:cNvPr id="2" name="标题 1"/>
-          <p:cNvSpPr>
-            <a:spLocks noGrp="1"/>
-          </p:cNvSpPr>
-          <p:nvPr>
-            <p:ph type="title"/>
-          </p:nvPr>
-        </p:nvSpPr>
         <p:spPr>
           <a:xfrm>
             <a:off x="549275" y="243211"/>
@@ -6097,7 +5744,7 @@
 </p:sld>
 </file>
 
-<file path=ppt/slides/slide25.xml><?xml version="1.0" encoding="utf-8"?>
+<file path=ppt/slides/slide23.xml><?xml version="1.0" encoding="utf-8"?>
 <p:sld xmlns:a="http://schemas.openxmlformats.org/drawingml/2006/main" xmlns:r="http://schemas.openxmlformats.org/officeDocument/2006/relationships" xmlns:p="http://schemas.openxmlformats.org/presentationml/2006/main">
   <p:cSld>
     <p:spTree>
@@ -6383,11 +6030,7 @@
           <a:p>
             <a:r>
               <a:rPr lang="en-US" altLang="zh-CN" dirty="0" smtClean="0"/>
-              <a:t>Average </a:t>
-            </a:r>
-            <a:r>
-              <a:rPr lang="en-US" altLang="zh-CN" dirty="0" smtClean="0"/>
-              <a:t>yearly temperature </a:t>
+              <a:t>Average yearly temperature </a:t>
             </a:r>
             <a:r>
               <a:rPr lang="en-US" altLang="zh-CN" dirty="0"/>
@@ -6522,11 +6165,7 @@
           <a:p>
             <a:r>
               <a:rPr lang="en-US" altLang="zh-CN" dirty="0"/>
-              <a:t>3. </a:t>
-            </a:r>
-            <a:r>
-              <a:rPr lang="en-US" altLang="zh-CN" dirty="0"/>
-              <a:t>Analyze feature importance to choose </a:t>
+              <a:t>3. Analyze feature importance to choose </a:t>
             </a:r>
             <a:r>
               <a:rPr lang="en-US" altLang="zh-CN" dirty="0" smtClean="0"/>
@@ -6544,11 +6183,7 @@
             </a:r>
             <a:r>
               <a:rPr lang="en-US" altLang="zh-CN" dirty="0" smtClean="0"/>
-              <a:t>missing</a:t>
-            </a:r>
-            <a:r>
-              <a:rPr lang="en-US" altLang="zh-CN" dirty="0" smtClean="0"/>
-              <a:t> </a:t>
+              <a:t>missing </a:t>
             </a:r>
             <a:r>
               <a:rPr lang="en-US" altLang="zh-CN" dirty="0"/>
@@ -6558,7 +6193,6 @@
               <a:rPr lang="en-US" altLang="zh-CN" dirty="0" smtClean="0"/>
               <a:t>Python</a:t>
             </a:r>
-            <a:endParaRPr lang="en-US" altLang="zh-CN" dirty="0" smtClean="0"/>
           </a:p>
         </p:txBody>
       </p:sp>
@@ -6602,97 +6236,28 @@
             <p:ph type="title"/>
           </p:nvPr>
         </p:nvSpPr>
-        <p:spPr/>
+        <p:spPr>
+          <a:xfrm>
+            <a:off x="549275" y="2361634"/>
+            <a:ext cx="8042276" cy="1336956"/>
+          </a:xfrm>
+        </p:spPr>
         <p:txBody>
           <a:bodyPr/>
           <a:lstStyle/>
           <a:p>
             <a:r>
-              <a:rPr lang="en-US" altLang="zh-CN" sz="4000" b="1" dirty="0"/>
-              <a:t>Problem Statement and </a:t>
-            </a:r>
-            <a:r>
-              <a:rPr lang="en-US" altLang="zh-CN" sz="4000" b="1" dirty="0" smtClean="0"/>
-              <a:t>Hypothesis</a:t>
-            </a:r>
-            <a:endParaRPr kumimoji="1" lang="zh-CN" altLang="en-US" sz="4000" dirty="0"/>
-          </a:p>
-        </p:txBody>
-      </p:sp>
-      <p:sp>
-        <p:nvSpPr>
-          <p:cNvPr id="3" name="内容占位符 2"/>
-          <p:cNvSpPr>
-            <a:spLocks noGrp="1"/>
-          </p:cNvSpPr>
-          <p:nvPr>
-            <p:ph idx="1"/>
-          </p:nvPr>
-        </p:nvSpPr>
-        <p:spPr/>
-        <p:txBody>
-          <a:bodyPr>
-            <a:normAutofit fontScale="92500" lnSpcReduction="10000"/>
-          </a:bodyPr>
-          <a:lstStyle/>
-          <a:p>
-            <a:r>
-              <a:rPr lang="en-US" altLang="zh-CN" dirty="0"/>
-              <a:t>There are lots of factors can affect graduation rate, finding the root causes can help government set up new </a:t>
-            </a:r>
-            <a:r>
-              <a:rPr lang="en-US" altLang="zh-CN" dirty="0" smtClean="0"/>
-              <a:t>rules to help schools increase </a:t>
-            </a:r>
-            <a:r>
-              <a:rPr lang="en-US" altLang="zh-CN" dirty="0"/>
-              <a:t>graduation rate by 2020.</a:t>
-            </a:r>
-          </a:p>
-          <a:p>
-            <a:r>
-              <a:rPr lang="en-US" altLang="zh-CN" dirty="0"/>
-              <a:t>Some of the hypotheses are:</a:t>
-            </a:r>
-          </a:p>
-          <a:p>
-            <a:pPr lvl="0"/>
-            <a:r>
-              <a:rPr lang="en-US" altLang="zh-CN" dirty="0"/>
-              <a:t>Weather and location of states can affect graduation rate.</a:t>
-            </a:r>
-          </a:p>
-          <a:p>
-            <a:pPr lvl="0"/>
-            <a:r>
-              <a:rPr lang="en-US" altLang="zh-CN" dirty="0"/>
-              <a:t>Families with high </a:t>
-            </a:r>
-            <a:r>
-              <a:rPr lang="en-US" altLang="zh-CN" dirty="0" smtClean="0"/>
-              <a:t>movement </a:t>
-            </a:r>
-            <a:r>
-              <a:rPr lang="en-US" altLang="zh-CN" dirty="0"/>
-              <a:t>rate and poverty level have lower graduation rate</a:t>
-            </a:r>
-          </a:p>
-          <a:p>
-            <a:pPr lvl="0"/>
-            <a:r>
-              <a:rPr lang="en-US" altLang="zh-CN" dirty="0"/>
-              <a:t>Students with employed are having less time study, lead to lower graduation rate</a:t>
-            </a:r>
-          </a:p>
-          <a:p>
-            <a:endParaRPr kumimoji="1" lang="zh-CN" altLang="en-US" dirty="0"/>
+              <a:rPr kumimoji="1" lang="en-US" altLang="zh-CN" sz="9600" b="1" dirty="0" smtClean="0"/>
+              <a:t>Analysis</a:t>
+            </a:r>
+            <a:endParaRPr kumimoji="1" lang="zh-CN" altLang="en-US" sz="9600" b="1" dirty="0"/>
           </a:p>
         </p:txBody>
       </p:sp>
     </p:spTree>
     <p:extLst>
       <p:ext uri="{BB962C8B-B14F-4D97-AF65-F5344CB8AC3E}">
-        <p14:creationId xmlns:p14="http://schemas.microsoft.com/office/powerpoint/2010/main" val="2464646014"/>
+        <p14:creationId xmlns:p14="http://schemas.microsoft.com/office/powerpoint/2010/main" val="870819018"/>
       </p:ext>
     </p:extLst>
   </p:cSld>
@@ -6729,28 +6294,68 @@
             <p:ph type="title"/>
           </p:nvPr>
         </p:nvSpPr>
-        <p:spPr>
-          <a:xfrm>
-            <a:off x="549275" y="2361634"/>
-            <a:ext cx="8042276" cy="1336956"/>
-          </a:xfrm>
-        </p:spPr>
+        <p:spPr/>
         <p:txBody>
           <a:bodyPr/>
           <a:lstStyle/>
           <a:p>
             <a:r>
-              <a:rPr kumimoji="1" lang="en-US" altLang="zh-CN" sz="9600" b="1" dirty="0" smtClean="0"/>
-              <a:t>Analysis</a:t>
-            </a:r>
-            <a:endParaRPr kumimoji="1" lang="zh-CN" altLang="en-US" sz="9600" b="1" dirty="0"/>
-          </a:p>
-        </p:txBody>
-      </p:sp>
+              <a:rPr lang="en-US" altLang="zh-CN" sz="4000" b="1" dirty="0" smtClean="0"/>
+              <a:t>Graduation Rate </a:t>
+            </a:r>
+            <a:r>
+              <a:rPr lang="en-US" altLang="zh-CN" sz="4000" b="1" dirty="0"/>
+              <a:t>O</a:t>
+            </a:r>
+            <a:r>
+              <a:rPr lang="en-US" altLang="zh-CN" sz="4000" b="1" dirty="0" smtClean="0"/>
+              <a:t>verview on </a:t>
+            </a:r>
+            <a:r>
+              <a:rPr lang="en-US" altLang="zh-CN" sz="4000" b="1" dirty="0"/>
+              <a:t>S</a:t>
+            </a:r>
+            <a:r>
+              <a:rPr lang="en-US" altLang="zh-CN" sz="4000" b="1" dirty="0" smtClean="0"/>
+              <a:t>tate Level</a:t>
+            </a:r>
+            <a:endParaRPr kumimoji="1" lang="zh-CN" altLang="en-US" sz="4000" dirty="0"/>
+          </a:p>
+        </p:txBody>
+      </p:sp>
+      <p:pic>
+        <p:nvPicPr>
+          <p:cNvPr id="4" name="内容占位符 3"/>
+          <p:cNvPicPr>
+            <a:picLocks noGrp="1"/>
+          </p:cNvPicPr>
+          <p:nvPr>
+            <p:ph idx="1"/>
+          </p:nvPr>
+        </p:nvPicPr>
+        <p:blipFill>
+          <a:blip r:embed="rId2">
+            <a:extLst>
+              <a:ext uri="{28A0092B-C50C-407E-A947-70E740481C1C}">
+                <a14:useLocalDpi xmlns:a14="http://schemas.microsoft.com/office/drawing/2010/main" val="0"/>
+              </a:ext>
+            </a:extLst>
+          </a:blip>
+          <a:srcRect t="550" b="550"/>
+          <a:stretch>
+            <a:fillRect/>
+          </a:stretch>
+        </p:blipFill>
+        <p:spPr>
+          <a:prstGeom prst="rect">
+            <a:avLst/>
+          </a:prstGeom>
+        </p:spPr>
+      </p:pic>
     </p:spTree>
     <p:extLst>
       <p:ext uri="{BB962C8B-B14F-4D97-AF65-F5344CB8AC3E}">
-        <p14:creationId xmlns:p14="http://schemas.microsoft.com/office/powerpoint/2010/main" val="870819018"/>
+        <p14:creationId xmlns:p14="http://schemas.microsoft.com/office/powerpoint/2010/main" val="1910652797"/>
       </p:ext>
     </p:extLst>
   </p:cSld>
@@ -6787,38 +6392,35 @@
             <p:ph type="title"/>
           </p:nvPr>
         </p:nvSpPr>
-        <p:spPr/>
+        <p:spPr>
+          <a:xfrm>
+            <a:off x="549275" y="263244"/>
+            <a:ext cx="8042276" cy="1336956"/>
+          </a:xfrm>
+        </p:spPr>
         <p:txBody>
           <a:bodyPr/>
           <a:lstStyle/>
           <a:p>
             <a:r>
-              <a:rPr lang="en-US" altLang="zh-CN" sz="4000" b="1" dirty="0" smtClean="0"/>
-              <a:t>Graduation Rate </a:t>
-            </a:r>
-            <a:r>
-              <a:rPr lang="en-US" altLang="zh-CN" sz="4000" b="1" dirty="0"/>
-              <a:t>O</a:t>
-            </a:r>
-            <a:r>
-              <a:rPr lang="en-US" altLang="zh-CN" sz="4000" b="1" dirty="0" smtClean="0"/>
-              <a:t>verview on </a:t>
-            </a:r>
-            <a:r>
-              <a:rPr lang="en-US" altLang="zh-CN" sz="4000" b="1" dirty="0"/>
-              <a:t>S</a:t>
-            </a:r>
-            <a:r>
-              <a:rPr lang="en-US" altLang="zh-CN" sz="4000" b="1" dirty="0" smtClean="0"/>
-              <a:t>tate Level</a:t>
-            </a:r>
-            <a:endParaRPr kumimoji="1" lang="zh-CN" altLang="en-US" sz="4000" dirty="0"/>
+              <a:rPr lang="en-US" altLang="zh-CN" b="1" dirty="0"/>
+              <a:t>Average </a:t>
+            </a:r>
+            <a:r>
+              <a:rPr lang="en-US" altLang="zh-CN" b="1" dirty="0" smtClean="0"/>
+              <a:t>Yearly temperature </a:t>
+            </a:r>
+            <a:r>
+              <a:rPr lang="en-US" altLang="zh-CN" b="1" dirty="0"/>
+              <a:t>vs. Graduation rate</a:t>
+            </a:r>
+            <a:endParaRPr kumimoji="1" lang="zh-CN" altLang="en-US" b="1" dirty="0"/>
           </a:p>
         </p:txBody>
       </p:sp>
       <p:pic>
         <p:nvPicPr>
-          <p:cNvPr id="4" name="内容占位符 3"/>
+          <p:cNvPr id="4" name="内容占位符 3" descr="temp.PNG"/>
           <p:cNvPicPr>
             <a:picLocks noGrp="1"/>
           </p:cNvPicPr>
@@ -6827,28 +6429,98 @@
           </p:nvPr>
         </p:nvPicPr>
         <p:blipFill>
-          <a:blip r:embed="rId2">
-            <a:extLst>
-              <a:ext uri="{28A0092B-C50C-407E-A947-70E740481C1C}">
-                <a14:useLocalDpi xmlns:a14="http://schemas.microsoft.com/office/drawing/2010/main" val="0"/>
-              </a:ext>
-            </a:extLst>
-          </a:blip>
-          <a:srcRect t="550" b="550"/>
+          <a:blip r:embed="rId2"/>
+          <a:srcRect t="-1167" b="-1167"/>
           <a:stretch>
             <a:fillRect/>
           </a:stretch>
         </p:blipFill>
         <p:spPr>
+          <a:xfrm>
+            <a:off x="549275" y="1600200"/>
+            <a:ext cx="8042276" cy="4898809"/>
+          </a:xfrm>
           <a:prstGeom prst="rect">
             <a:avLst/>
           </a:prstGeom>
         </p:spPr>
       </p:pic>
+      <p:sp>
+        <p:nvSpPr>
+          <p:cNvPr id="3" name="文本框 2"/>
+          <p:cNvSpPr txBox="1"/>
+          <p:nvPr/>
+        </p:nvSpPr>
+        <p:spPr>
+          <a:xfrm>
+            <a:off x="734083" y="6046807"/>
+            <a:ext cx="2460304" cy="369332"/>
+          </a:xfrm>
+          <a:prstGeom prst="rect">
+            <a:avLst/>
+          </a:prstGeom>
+          <a:noFill/>
+        </p:spPr>
+        <p:txBody>
+          <a:bodyPr wrap="none" rtlCol="0">
+            <a:spAutoFit/>
+          </a:bodyPr>
+          <a:lstStyle/>
+          <a:p>
+            <a:r>
+              <a:rPr kumimoji="1" lang="en-US" altLang="zh-CN" b="1" dirty="0" err="1" smtClean="0">
+                <a:solidFill>
+                  <a:schemeClr val="bg2">
+                    <a:lumMod val="25000"/>
+                  </a:schemeClr>
+                </a:solidFill>
+              </a:rPr>
+              <a:t>Red:low</a:t>
+            </a:r>
+            <a:r>
+              <a:rPr kumimoji="1" lang="en-US" altLang="zh-CN" b="1" dirty="0">
+                <a:solidFill>
+                  <a:schemeClr val="bg2">
+                    <a:lumMod val="25000"/>
+                  </a:schemeClr>
+                </a:solidFill>
+              </a:rPr>
+              <a:t> </a:t>
+            </a:r>
+            <a:r>
+              <a:rPr kumimoji="1" lang="en-US" altLang="zh-CN" b="1" dirty="0" smtClean="0">
+                <a:solidFill>
+                  <a:schemeClr val="bg2">
+                    <a:lumMod val="25000"/>
+                  </a:schemeClr>
+                </a:solidFill>
+              </a:rPr>
+              <a:t> </a:t>
+            </a:r>
+            <a:r>
+              <a:rPr kumimoji="1" lang="en-US" altLang="zh-CN" b="1" dirty="0" err="1" smtClean="0">
+                <a:solidFill>
+                  <a:schemeClr val="bg2">
+                    <a:lumMod val="25000"/>
+                  </a:schemeClr>
+                </a:solidFill>
+              </a:rPr>
+              <a:t>Green:high</a:t>
+            </a:r>
+            <a:endParaRPr kumimoji="1" lang="zh-CN" altLang="en-US" b="1" dirty="0">
+              <a:solidFill>
+                <a:schemeClr val="bg2">
+                  <a:lumMod val="25000"/>
+                </a:schemeClr>
+              </a:solidFill>
+            </a:endParaRPr>
+          </a:p>
+        </p:txBody>
+      </p:sp>
     </p:spTree>
     <p:extLst>
       <p:ext uri="{BB962C8B-B14F-4D97-AF65-F5344CB8AC3E}">
-        <p14:creationId xmlns:p14="http://schemas.microsoft.com/office/powerpoint/2010/main" val="1910652797"/>
+        <p14:creationId xmlns:p14="http://schemas.microsoft.com/office/powerpoint/2010/main" val="259601256"/>
       </p:ext>
     </p:extLst>
   </p:cSld>
@@ -6887,7 +6559,7 @@
         </p:nvSpPr>
         <p:spPr>
           <a:xfrm>
-            <a:off x="549275" y="263244"/>
+            <a:off x="720886" y="144752"/>
             <a:ext cx="8042276" cy="1336956"/>
           </a:xfrm>
         </p:spPr>
@@ -6901,11 +6573,15 @@
             </a:r>
             <a:r>
               <a:rPr lang="en-US" altLang="zh-CN" b="1" dirty="0" smtClean="0"/>
-              <a:t>Yearly temperature </a:t>
+              <a:t>winter temperature </a:t>
             </a:r>
             <a:r>
               <a:rPr lang="en-US" altLang="zh-CN" b="1" dirty="0"/>
-              <a:t>vs. Graduation rate</a:t>
+              <a:t>vs. Graduation </a:t>
+            </a:r>
+            <a:r>
+              <a:rPr lang="en-US" altLang="zh-CN" b="1" dirty="0" smtClean="0"/>
+              <a:t>rate</a:t>
             </a:r>
             <a:endParaRPr kumimoji="1" lang="zh-CN" altLang="en-US" b="1" dirty="0"/>
           </a:p>
@@ -6913,7 +6589,7 @@
       </p:sp>
       <p:pic>
         <p:nvPicPr>
-          <p:cNvPr id="4" name="内容占位符 3" descr="temp.PNG"/>
+          <p:cNvPr id="4" name="内容占位符 3" descr="winter TEMP.jpg"/>
           <p:cNvPicPr>
             <a:picLocks noGrp="1"/>
           </p:cNvPicPr>
@@ -6923,7 +6599,7 @@
         </p:nvPicPr>
         <p:blipFill>
           <a:blip r:embed="rId2"/>
-          <a:srcRect t="-1167" b="-1167"/>
+          <a:srcRect l="-19788" r="-19788"/>
           <a:stretch>
             <a:fillRect/>
           </a:stretch>
@@ -6931,89 +6607,17 @@
         <p:spPr>
           <a:xfrm>
             <a:off x="549275" y="1600200"/>
-            <a:ext cx="8042276" cy="4898809"/>
+            <a:ext cx="8042276" cy="5257799"/>
           </a:xfrm>
           <a:prstGeom prst="rect">
             <a:avLst/>
           </a:prstGeom>
         </p:spPr>
       </p:pic>
-      <p:sp>
-        <p:nvSpPr>
-          <p:cNvPr id="3" name="文本框 2"/>
-          <p:cNvSpPr txBox="1"/>
-          <p:nvPr/>
-        </p:nvSpPr>
-        <p:spPr>
-          <a:xfrm>
-            <a:off x="734083" y="6046807"/>
-            <a:ext cx="2460304" cy="369332"/>
-          </a:xfrm>
-          <a:prstGeom prst="rect">
-            <a:avLst/>
-          </a:prstGeom>
-          <a:noFill/>
-        </p:spPr>
-        <p:txBody>
-          <a:bodyPr wrap="none" rtlCol="0">
-            <a:spAutoFit/>
-          </a:bodyPr>
-          <a:lstStyle/>
-          <a:p>
-            <a:r>
-              <a:rPr kumimoji="1" lang="en-US" altLang="zh-CN" b="1" dirty="0" err="1" smtClean="0">
-                <a:solidFill>
-                  <a:schemeClr val="bg2">
-                    <a:lumMod val="25000"/>
-                  </a:schemeClr>
-                </a:solidFill>
-              </a:rPr>
-              <a:t>Red:low</a:t>
-            </a:r>
-            <a:r>
-              <a:rPr kumimoji="1" lang="en-US" altLang="zh-CN" b="1" dirty="0">
-                <a:solidFill>
-                  <a:schemeClr val="bg2">
-                    <a:lumMod val="25000"/>
-                  </a:schemeClr>
-                </a:solidFill>
-              </a:rPr>
-              <a:t> </a:t>
-            </a:r>
-            <a:r>
-              <a:rPr kumimoji="1" lang="en-US" altLang="zh-CN" b="1" dirty="0" smtClean="0">
-                <a:solidFill>
-                  <a:schemeClr val="bg2">
-                    <a:lumMod val="25000"/>
-                  </a:schemeClr>
-                </a:solidFill>
-              </a:rPr>
-              <a:t> </a:t>
-            </a:r>
-            <a:r>
-              <a:rPr kumimoji="1" lang="en-US" altLang="zh-CN" b="1" dirty="0" err="1" smtClean="0">
-                <a:solidFill>
-                  <a:schemeClr val="bg2">
-                    <a:lumMod val="25000"/>
-                  </a:schemeClr>
-                </a:solidFill>
-              </a:rPr>
-              <a:t>Green:high</a:t>
-            </a:r>
-            <a:endParaRPr kumimoji="1" lang="zh-CN" altLang="en-US" b="1" dirty="0">
-              <a:solidFill>
-                <a:schemeClr val="bg2">
-                  <a:lumMod val="25000"/>
-                </a:schemeClr>
-              </a:solidFill>
-            </a:endParaRPr>
-          </a:p>
-        </p:txBody>
-      </p:sp>
     </p:spTree>
     <p:extLst>
       <p:ext uri="{BB962C8B-B14F-4D97-AF65-F5344CB8AC3E}">
-        <p14:creationId xmlns:p14="http://schemas.microsoft.com/office/powerpoint/2010/main" val="259601256"/>
+        <p14:creationId xmlns:p14="http://schemas.microsoft.com/office/powerpoint/2010/main" val="563813458"/>
       </p:ext>
     </p:extLst>
   </p:cSld>
@@ -7040,49 +6644,9 @@
           <a:chExt cx="0" cy="0"/>
         </a:xfrm>
       </p:grpSpPr>
-      <p:sp>
-        <p:nvSpPr>
-          <p:cNvPr id="2" name="标题 1"/>
-          <p:cNvSpPr>
-            <a:spLocks noGrp="1"/>
-          </p:cNvSpPr>
-          <p:nvPr>
-            <p:ph type="title"/>
-          </p:nvPr>
-        </p:nvSpPr>
-        <p:spPr>
-          <a:xfrm>
-            <a:off x="720886" y="144752"/>
-            <a:ext cx="8042276" cy="1336956"/>
-          </a:xfrm>
-        </p:spPr>
-        <p:txBody>
-          <a:bodyPr/>
-          <a:lstStyle/>
-          <a:p>
-            <a:r>
-              <a:rPr lang="en-US" altLang="zh-CN" b="1" dirty="0"/>
-              <a:t>Average </a:t>
-            </a:r>
-            <a:r>
-              <a:rPr lang="en-US" altLang="zh-CN" b="1" dirty="0" smtClean="0"/>
-              <a:t>winter temperature </a:t>
-            </a:r>
-            <a:r>
-              <a:rPr lang="en-US" altLang="zh-CN" b="1" dirty="0"/>
-              <a:t>vs. Graduation </a:t>
-            </a:r>
-            <a:r>
-              <a:rPr lang="en-US" altLang="zh-CN" b="1" dirty="0" smtClean="0"/>
-              <a:t>rate</a:t>
-            </a:r>
-            <a:endParaRPr kumimoji="1" lang="zh-CN" altLang="en-US" b="1" dirty="0"/>
-          </a:p>
-        </p:txBody>
-      </p:sp>
       <p:pic>
         <p:nvPicPr>
-          <p:cNvPr id="4" name="内容占位符 3" descr="winter TEMP.jpg"/>
+          <p:cNvPr id="4" name="内容占位符 3" descr="north.PNG"/>
           <p:cNvPicPr>
             <a:picLocks noGrp="1"/>
           </p:cNvPicPr>
@@ -7092,25 +6656,223 @@
         </p:nvPicPr>
         <p:blipFill>
           <a:blip r:embed="rId2"/>
-          <a:srcRect l="-19788" r="-19788"/>
+          <a:srcRect l="-13901" r="-13901"/>
           <a:stretch>
             <a:fillRect/>
           </a:stretch>
         </p:blipFill>
         <p:spPr>
           <a:xfrm>
-            <a:off x="549275" y="1600200"/>
-            <a:ext cx="8042276" cy="5257799"/>
+            <a:off x="1052667" y="0"/>
+            <a:ext cx="7459233" cy="3649345"/>
           </a:xfrm>
           <a:prstGeom prst="rect">
             <a:avLst/>
           </a:prstGeom>
         </p:spPr>
       </p:pic>
+      <p:pic>
+        <p:nvPicPr>
+          <p:cNvPr id="5" name="图片 4" descr="south.PNG"/>
+          <p:cNvPicPr/>
+          <p:nvPr/>
+        </p:nvPicPr>
+        <p:blipFill>
+          <a:blip r:embed="rId3"/>
+          <a:stretch>
+            <a:fillRect/>
+          </a:stretch>
+        </p:blipFill>
+        <p:spPr>
+          <a:xfrm>
+            <a:off x="1887719" y="3649345"/>
+            <a:ext cx="5823329" cy="3208655"/>
+          </a:xfrm>
+          <a:prstGeom prst="rect">
+            <a:avLst/>
+          </a:prstGeom>
+        </p:spPr>
+      </p:pic>
+      <p:sp>
+        <p:nvSpPr>
+          <p:cNvPr id="6" name="矩形 5"/>
+          <p:cNvSpPr/>
+          <p:nvPr/>
+        </p:nvSpPr>
+        <p:spPr>
+          <a:xfrm>
+            <a:off x="119620" y="1033651"/>
+            <a:ext cx="1605578" cy="707886"/>
+          </a:xfrm>
+          <a:prstGeom prst="rect">
+            <a:avLst/>
+          </a:prstGeom>
+          <a:noFill/>
+        </p:spPr>
+        <p:txBody>
+          <a:bodyPr wrap="none" lIns="91440" tIns="45720" rIns="91440" bIns="45720">
+            <a:spAutoFit/>
+          </a:bodyPr>
+          <a:lstStyle/>
+          <a:p>
+            <a:pPr algn="ctr"/>
+            <a:r>
+              <a:rPr lang="en-US" altLang="zh-CN" sz="4000" b="1" cap="none" spc="0" dirty="0" smtClean="0">
+                <a:ln w="12700">
+                  <a:solidFill>
+                    <a:schemeClr val="tx2">
+                      <a:satMod val="155000"/>
+                    </a:schemeClr>
+                  </a:solidFill>
+                  <a:prstDash val="solid"/>
+                </a:ln>
+                <a:solidFill>
+                  <a:schemeClr val="bg2">
+                    <a:tint val="85000"/>
+                    <a:satMod val="155000"/>
+                  </a:schemeClr>
+                </a:solidFill>
+                <a:effectLst>
+                  <a:outerShdw blurRad="41275" dist="20320" dir="1800000" algn="tl" rotWithShape="0">
+                    <a:srgbClr val="000000">
+                      <a:alpha val="40000"/>
+                    </a:srgbClr>
+                  </a:outerShdw>
+                </a:effectLst>
+              </a:rPr>
+              <a:t>North</a:t>
+            </a:r>
+            <a:endParaRPr lang="zh-CN" altLang="en-US" sz="4000" b="1" cap="none" spc="0" dirty="0">
+              <a:ln w="12700">
+                <a:solidFill>
+                  <a:schemeClr val="tx2">
+                    <a:satMod val="155000"/>
+                  </a:schemeClr>
+                </a:solidFill>
+                <a:prstDash val="solid"/>
+              </a:ln>
+              <a:solidFill>
+                <a:schemeClr val="bg2">
+                  <a:tint val="85000"/>
+                  <a:satMod val="155000"/>
+                </a:schemeClr>
+              </a:solidFill>
+              <a:effectLst>
+                <a:outerShdw blurRad="41275" dist="20320" dir="1800000" algn="tl" rotWithShape="0">
+                  <a:srgbClr val="000000">
+                    <a:alpha val="40000"/>
+                  </a:srgbClr>
+                </a:outerShdw>
+              </a:effectLst>
+            </a:endParaRPr>
+          </a:p>
+        </p:txBody>
+      </p:sp>
+      <p:sp>
+        <p:nvSpPr>
+          <p:cNvPr id="8" name="矩形 7"/>
+          <p:cNvSpPr/>
+          <p:nvPr/>
+        </p:nvSpPr>
+        <p:spPr>
+          <a:xfrm>
+            <a:off x="119620" y="4752019"/>
+            <a:ext cx="1612090" cy="707886"/>
+          </a:xfrm>
+          <a:prstGeom prst="rect">
+            <a:avLst/>
+          </a:prstGeom>
+          <a:noFill/>
+        </p:spPr>
+        <p:txBody>
+          <a:bodyPr wrap="none" lIns="91440" tIns="45720" rIns="91440" bIns="45720">
+            <a:spAutoFit/>
+          </a:bodyPr>
+          <a:lstStyle/>
+          <a:p>
+            <a:pPr algn="ctr"/>
+            <a:r>
+              <a:rPr lang="en-US" altLang="zh-CN" sz="4000" b="1" dirty="0" smtClean="0">
+                <a:ln w="12700">
+                  <a:solidFill>
+                    <a:schemeClr val="tx2">
+                      <a:satMod val="155000"/>
+                    </a:schemeClr>
+                  </a:solidFill>
+                  <a:prstDash val="solid"/>
+                </a:ln>
+                <a:solidFill>
+                  <a:schemeClr val="bg2">
+                    <a:tint val="85000"/>
+                    <a:satMod val="155000"/>
+                  </a:schemeClr>
+                </a:solidFill>
+                <a:effectLst>
+                  <a:outerShdw blurRad="41275" dist="20320" dir="1800000" algn="tl" rotWithShape="0">
+                    <a:srgbClr val="000000">
+                      <a:alpha val="40000"/>
+                    </a:srgbClr>
+                  </a:outerShdw>
+                </a:effectLst>
+              </a:rPr>
+              <a:t>Sou</a:t>
+            </a:r>
+            <a:r>
+              <a:rPr lang="en-US" altLang="zh-CN" sz="4000" b="1" cap="none" spc="0" dirty="0" smtClean="0">
+                <a:ln w="12700">
+                  <a:solidFill>
+                    <a:schemeClr val="tx2">
+                      <a:satMod val="155000"/>
+                    </a:schemeClr>
+                  </a:solidFill>
+                  <a:prstDash val="solid"/>
+                </a:ln>
+                <a:solidFill>
+                  <a:schemeClr val="bg2">
+                    <a:tint val="85000"/>
+                    <a:satMod val="155000"/>
+                  </a:schemeClr>
+                </a:solidFill>
+                <a:effectLst>
+                  <a:outerShdw blurRad="41275" dist="20320" dir="1800000" algn="tl" rotWithShape="0">
+                    <a:srgbClr val="000000">
+                      <a:alpha val="40000"/>
+                    </a:srgbClr>
+                  </a:outerShdw>
+                </a:effectLst>
+              </a:rPr>
+              <a:t>th</a:t>
+            </a:r>
+            <a:endParaRPr lang="zh-CN" altLang="en-US" sz="4000" b="1" cap="none" spc="0" dirty="0">
+              <a:ln w="12700">
+                <a:solidFill>
+                  <a:schemeClr val="tx2">
+                    <a:satMod val="155000"/>
+                  </a:schemeClr>
+                </a:solidFill>
+                <a:prstDash val="solid"/>
+              </a:ln>
+              <a:solidFill>
+                <a:schemeClr val="bg2">
+                  <a:tint val="85000"/>
+                  <a:satMod val="155000"/>
+                </a:schemeClr>
+              </a:solidFill>
+              <a:effectLst>
+                <a:outerShdw blurRad="41275" dist="20320" dir="1800000" algn="tl" rotWithShape="0">
+                  <a:srgbClr val="000000">
+                    <a:alpha val="40000"/>
+                  </a:srgbClr>
+                </a:outerShdw>
+              </a:effectLst>
+            </a:endParaRPr>
+          </a:p>
+        </p:txBody>
+      </p:sp>
     </p:spTree>
     <p:extLst>
       <p:ext uri="{BB962C8B-B14F-4D97-AF65-F5344CB8AC3E}">
-        <p14:creationId xmlns:p14="http://schemas.microsoft.com/office/powerpoint/2010/main" val="563813458"/>
+        <p14:creationId xmlns:p14="http://schemas.microsoft.com/office/powerpoint/2010/main" val="157077609"/>
       </p:ext>
     </p:extLst>
   </p:cSld>

--- a/Homework/Project/presentation.pptx
+++ b/Homework/Project/presentation.pptx
@@ -25,9 +25,8 @@
     <p:sldId id="269" r:id="rId19"/>
     <p:sldId id="270" r:id="rId20"/>
     <p:sldId id="272" r:id="rId21"/>
-    <p:sldId id="277" r:id="rId22"/>
-    <p:sldId id="278" r:id="rId23"/>
-    <p:sldId id="273" r:id="rId24"/>
+    <p:sldId id="289" r:id="rId22"/>
+    <p:sldId id="273" r:id="rId23"/>
   </p:sldIdLst>
   <p:sldSz cx="9144000" cy="6858000" type="screen4x3"/>
   <p:notesSz cx="6858000" cy="9144000"/>
@@ -5213,19 +5212,7 @@
           <a:p>
             <a:r>
               <a:rPr kumimoji="1" lang="en-US" altLang="zh-CN" b="1" dirty="0" smtClean="0"/>
-              <a:t>Population E</a:t>
-            </a:r>
-            <a:r>
-              <a:rPr kumimoji="1" lang="en-US" altLang="zh-CN" b="1" dirty="0" smtClean="0"/>
-              <a:t>ducation</a:t>
-            </a:r>
-            <a:r>
-              <a:rPr kumimoji="1" lang="en-US" altLang="zh-CN" b="1" dirty="0" smtClean="0"/>
-              <a:t> </a:t>
-            </a:r>
-            <a:r>
-              <a:rPr kumimoji="1" lang="en-US" altLang="zh-CN" b="1" dirty="0" smtClean="0"/>
-              <a:t>Level vs. GR</a:t>
+              <a:t>Population Education Level vs. GR</a:t>
             </a:r>
             <a:endParaRPr kumimoji="1" lang="zh-CN" altLang="en-US" b="1" dirty="0"/>
           </a:p>
@@ -5518,10 +5505,33 @@
             <p:ph type="title"/>
           </p:nvPr>
         </p:nvSpPr>
+        <p:spPr/>
+        <p:txBody>
+          <a:bodyPr/>
+          <a:lstStyle/>
+          <a:p>
+            <a:r>
+              <a:rPr kumimoji="1" lang="en-US" altLang="zh-CN" dirty="0" smtClean="0"/>
+              <a:t>Next Step</a:t>
+            </a:r>
+            <a:endParaRPr kumimoji="1" lang="zh-CN" altLang="en-US" dirty="0"/>
+          </a:p>
+        </p:txBody>
+      </p:sp>
+      <p:sp>
+        <p:nvSpPr>
+          <p:cNvPr id="3" name="内容占位符 2"/>
+          <p:cNvSpPr>
+            <a:spLocks noGrp="1"/>
+          </p:cNvSpPr>
+          <p:nvPr>
+            <p:ph idx="1"/>
+          </p:nvPr>
+        </p:nvSpPr>
         <p:spPr>
           <a:xfrm>
-            <a:off x="549275" y="107576"/>
-            <a:ext cx="8042276" cy="933639"/>
+            <a:off x="549275" y="1932017"/>
+            <a:ext cx="8042276" cy="4343400"/>
           </a:xfrm>
         </p:spPr>
         <p:txBody>
@@ -5529,102 +5539,26 @@
           <a:lstStyle/>
           <a:p>
             <a:r>
-              <a:rPr lang="en-US" altLang="zh-CN" sz="4400" b="1" dirty="0" smtClean="0"/>
-              <a:t>Conclusion </a:t>
-            </a:r>
-            <a:endParaRPr kumimoji="1" lang="zh-CN" altLang="en-US" sz="4400" dirty="0"/>
-          </a:p>
-        </p:txBody>
-      </p:sp>
-      <p:sp>
-        <p:nvSpPr>
-          <p:cNvPr id="3" name="内容占位符 2"/>
-          <p:cNvSpPr>
-            <a:spLocks noGrp="1"/>
-          </p:cNvSpPr>
-          <p:nvPr>
-            <p:ph idx="1"/>
-          </p:nvPr>
-        </p:nvSpPr>
-        <p:spPr>
-          <a:xfrm>
-            <a:off x="549275" y="1201401"/>
-            <a:ext cx="8042276" cy="5377702"/>
-          </a:xfrm>
-        </p:spPr>
-        <p:txBody>
-          <a:bodyPr>
-            <a:normAutofit/>
-          </a:bodyPr>
-          <a:lstStyle/>
-          <a:p>
-            <a:r>
-              <a:rPr lang="en-US" altLang="zh-CN" dirty="0"/>
-              <a:t>1. Northern states have higher average graduation rate than southern states, due to better school-system quality in northern states.  Government should improve school system in southern </a:t>
-            </a:r>
-            <a:r>
-              <a:rPr lang="en-US" altLang="zh-CN" dirty="0" smtClean="0"/>
-              <a:t>states</a:t>
-            </a:r>
-          </a:p>
-          <a:p>
-            <a:r>
-              <a:rPr lang="en-US" altLang="zh-CN" dirty="0" smtClean="0"/>
-              <a:t>2</a:t>
-            </a:r>
-            <a:r>
-              <a:rPr lang="en-US" altLang="zh-CN" dirty="0"/>
-              <a:t>. Poverty level has negative </a:t>
-            </a:r>
-            <a:r>
-              <a:rPr lang="en-US" altLang="zh-CN" dirty="0" smtClean="0"/>
-              <a:t>correlation with </a:t>
-            </a:r>
-            <a:r>
-              <a:rPr lang="en-US" altLang="zh-CN" dirty="0"/>
-              <a:t>graduation </a:t>
-            </a:r>
-            <a:r>
-              <a:rPr lang="en-US" altLang="zh-CN" dirty="0" smtClean="0"/>
-              <a:t>rate.  Government </a:t>
-            </a:r>
-            <a:r>
-              <a:rPr lang="en-US" altLang="zh-CN" dirty="0"/>
-              <a:t>can </a:t>
-            </a:r>
-            <a:r>
-              <a:rPr lang="en-US" altLang="zh-CN" dirty="0" smtClean="0"/>
-              <a:t>provide </a:t>
-            </a:r>
-            <a:r>
-              <a:rPr lang="en-US" altLang="zh-CN" dirty="0"/>
-              <a:t>more benefits for </a:t>
-            </a:r>
-            <a:r>
-              <a:rPr lang="en-US" altLang="zh-CN" dirty="0" smtClean="0"/>
-              <a:t>poverty families </a:t>
-            </a:r>
-            <a:r>
-              <a:rPr lang="en-US" altLang="zh-CN" dirty="0"/>
-              <a:t>with students going to high school. </a:t>
-            </a:r>
-          </a:p>
-          <a:p>
-            <a:r>
-              <a:rPr lang="en-US" altLang="zh-CN" dirty="0"/>
-              <a:t>3. </a:t>
-            </a:r>
-            <a:r>
-              <a:rPr lang="en-US" altLang="zh-CN" dirty="0" smtClean="0"/>
-              <a:t>The </a:t>
-            </a:r>
-            <a:r>
-              <a:rPr lang="en-US" altLang="zh-CN" dirty="0"/>
-              <a:t>more frequency a household moves, the lower the graduation rate.  The government should </a:t>
-            </a:r>
-            <a:r>
-              <a:rPr lang="en-US" altLang="zh-CN" dirty="0" smtClean="0"/>
-              <a:t> make movement and transfer process simpler.</a:t>
+              <a:rPr kumimoji="1" lang="en-US" altLang="zh-CN" dirty="0" smtClean="0"/>
+              <a:t>Trying more models to analyze root causes</a:t>
+            </a:r>
+          </a:p>
+          <a:p>
+            <a:r>
+              <a:rPr kumimoji="1" lang="en-US" altLang="zh-CN" dirty="0" smtClean="0"/>
+              <a:t>Built different models to predict future graduation rate and dropout rate</a:t>
+            </a:r>
+          </a:p>
+          <a:p>
+            <a:r>
+              <a:rPr kumimoji="1" lang="en-US" altLang="zh-CN" dirty="0" smtClean="0"/>
+              <a:t>Use more variables for analysis</a:t>
+            </a:r>
+          </a:p>
+          <a:p>
+            <a:r>
+              <a:rPr kumimoji="1" lang="en-US" altLang="zh-CN" dirty="0" smtClean="0"/>
+              <a:t>Collaborate other related dataset for analysis and give more accuracy suggestion</a:t>
             </a:r>
             <a:endParaRPr kumimoji="1" lang="zh-CN" altLang="en-US" dirty="0"/>
           </a:p>
@@ -5633,7 +5567,7 @@
     </p:spTree>
     <p:extLst>
       <p:ext uri="{BB962C8B-B14F-4D97-AF65-F5344CB8AC3E}">
-        <p14:creationId xmlns:p14="http://schemas.microsoft.com/office/powerpoint/2010/main" val="703076840"/>
+        <p14:creationId xmlns:p14="http://schemas.microsoft.com/office/powerpoint/2010/main" val="2995229593"/>
       </p:ext>
     </p:extLst>
   </p:cSld>
@@ -5644,107 +5578,6 @@
 </file>
 
 <file path=ppt/slides/slide22.xml><?xml version="1.0" encoding="utf-8"?>
-<p:sld xmlns:a="http://schemas.openxmlformats.org/drawingml/2006/main" xmlns:r="http://schemas.openxmlformats.org/officeDocument/2006/relationships" xmlns:p="http://schemas.openxmlformats.org/presentationml/2006/main">
-  <p:cSld>
-    <p:spTree>
-      <p:nvGrpSpPr>
-        <p:cNvPr id="1" name=""/>
-        <p:cNvGrpSpPr/>
-        <p:nvPr/>
-      </p:nvGrpSpPr>
-      <p:grpSpPr>
-        <a:xfrm>
-          <a:off x="0" y="0"/>
-          <a:ext cx="0" cy="0"/>
-          <a:chOff x="0" y="0"/>
-          <a:chExt cx="0" cy="0"/>
-        </a:xfrm>
-      </p:grpSpPr>
-      <p:sp>
-        <p:nvSpPr>
-          <p:cNvPr id="2" name="标题 1"/>
-          <p:cNvSpPr>
-            <a:spLocks noGrp="1"/>
-          </p:cNvSpPr>
-          <p:nvPr>
-            <p:ph type="title"/>
-          </p:nvPr>
-        </p:nvSpPr>
-        <p:spPr>
-          <a:xfrm>
-            <a:off x="549275" y="243211"/>
-            <a:ext cx="8042276" cy="969632"/>
-          </a:xfrm>
-        </p:spPr>
-        <p:txBody>
-          <a:bodyPr/>
-          <a:lstStyle/>
-          <a:p>
-            <a:r>
-              <a:rPr lang="en-US" altLang="zh-CN" sz="4800" b="1" dirty="0" smtClean="0"/>
-              <a:t>Conclusion</a:t>
-            </a:r>
-            <a:endParaRPr kumimoji="1" lang="zh-CN" altLang="en-US" dirty="0"/>
-          </a:p>
-        </p:txBody>
-      </p:sp>
-      <p:sp>
-        <p:nvSpPr>
-          <p:cNvPr id="3" name="内容占位符 2"/>
-          <p:cNvSpPr>
-            <a:spLocks noGrp="1"/>
-          </p:cNvSpPr>
-          <p:nvPr>
-            <p:ph idx="1"/>
-          </p:nvPr>
-        </p:nvSpPr>
-        <p:spPr>
-          <a:xfrm>
-            <a:off x="549275" y="1521775"/>
-            <a:ext cx="8042276" cy="4570571"/>
-          </a:xfrm>
-        </p:spPr>
-        <p:txBody>
-          <a:bodyPr>
-            <a:normAutofit/>
-          </a:bodyPr>
-          <a:lstStyle/>
-          <a:p>
-            <a:r>
-              <a:rPr lang="en-US" altLang="zh-CN" dirty="0"/>
-              <a:t>4. Higher percentage of English-speaking student leads to higher graduation rate.  Schools should provide more tutoring for non-</a:t>
-            </a:r>
-            <a:r>
-              <a:rPr lang="en-US" altLang="zh-CN" dirty="0" smtClean="0"/>
-              <a:t>native students.</a:t>
-            </a:r>
-            <a:endParaRPr lang="en-US" altLang="zh-CN" dirty="0"/>
-          </a:p>
-          <a:p>
-            <a:r>
-              <a:rPr lang="en-US" altLang="zh-CN" dirty="0"/>
-              <a:t>5. Students with both parents have higher graduation rate than single family.  Schools can build connection with single families and give concern about these students to see if they have problem in living and learning.  Government can provide more subsidies for single families as well.</a:t>
-            </a:r>
-          </a:p>
-          <a:p>
-            <a:endParaRPr kumimoji="1" lang="zh-CN" altLang="en-US" dirty="0"/>
-          </a:p>
-        </p:txBody>
-      </p:sp>
-    </p:spTree>
-    <p:extLst>
-      <p:ext uri="{BB962C8B-B14F-4D97-AF65-F5344CB8AC3E}">
-        <p14:creationId xmlns:p14="http://schemas.microsoft.com/office/powerpoint/2010/main" val="1675689309"/>
-      </p:ext>
-    </p:extLst>
-  </p:cSld>
-  <p:clrMapOvr>
-    <a:masterClrMapping/>
-  </p:clrMapOvr>
-</p:sld>
-</file>
-
-<file path=ppt/slides/slide23.xml><?xml version="1.0" encoding="utf-8"?>
 <p:sld xmlns:a="http://schemas.openxmlformats.org/drawingml/2006/main" xmlns:r="http://schemas.openxmlformats.org/officeDocument/2006/relationships" xmlns:p="http://schemas.openxmlformats.org/presentationml/2006/main">
   <p:cSld>
     <p:spTree>
@@ -6341,12 +6174,16 @@
               </a:ext>
             </a:extLst>
           </a:blip>
-          <a:srcRect t="550" b="550"/>
+          <a:srcRect t="-4471" b="-4471"/>
           <a:stretch>
             <a:fillRect/>
           </a:stretch>
         </p:blipFill>
         <p:spPr>
+          <a:xfrm>
+            <a:off x="549275" y="1600201"/>
+            <a:ext cx="8042276" cy="4784390"/>
+          </a:xfrm>
           <a:prstGeom prst="rect">
             <a:avLst/>
           </a:prstGeom>

--- a/Homework/Project/presentation.pptx
+++ b/Homework/Project/presentation.pptx
@@ -20,13 +20,12 @@
     <p:sldId id="286" r:id="rId14"/>
     <p:sldId id="262" r:id="rId15"/>
     <p:sldId id="263" r:id="rId16"/>
-    <p:sldId id="265" r:id="rId17"/>
-    <p:sldId id="267" r:id="rId18"/>
-    <p:sldId id="269" r:id="rId19"/>
-    <p:sldId id="270" r:id="rId20"/>
-    <p:sldId id="272" r:id="rId21"/>
-    <p:sldId id="289" r:id="rId22"/>
-    <p:sldId id="273" r:id="rId23"/>
+    <p:sldId id="269" r:id="rId17"/>
+    <p:sldId id="270" r:id="rId18"/>
+    <p:sldId id="272" r:id="rId19"/>
+    <p:sldId id="290" r:id="rId20"/>
+    <p:sldId id="289" r:id="rId21"/>
+    <p:sldId id="273" r:id="rId22"/>
   </p:sldIdLst>
   <p:sldSz cx="9144000" cy="6858000" type="screen4x3"/>
   <p:notesSz cx="6858000" cy="9144000"/>
@@ -4923,14 +4922,19 @@
             <p:ph type="title"/>
           </p:nvPr>
         </p:nvSpPr>
-        <p:spPr/>
+        <p:spPr>
+          <a:xfrm>
+            <a:off x="549275" y="107576"/>
+            <a:ext cx="8042276" cy="979406"/>
+          </a:xfrm>
+        </p:spPr>
         <p:txBody>
           <a:bodyPr/>
           <a:lstStyle/>
           <a:p>
             <a:r>
-              <a:rPr lang="en-US" altLang="zh-CN" b="1" dirty="0"/>
-              <a:t>Poverty vs. Graduation rate </a:t>
+              <a:rPr kumimoji="1" lang="en-US" altLang="zh-CN" b="1" dirty="0" smtClean="0"/>
+              <a:t>Poverty, Movement &amp; GR</a:t>
             </a:r>
             <a:endParaRPr kumimoji="1" lang="zh-CN" altLang="en-US" b="1" dirty="0"/>
           </a:p>
@@ -4954,31 +4958,94 @@
               </a:ext>
             </a:extLst>
           </a:blip>
-          <a:srcRect t="7734" b="7734"/>
+          <a:srcRect t="-11279" b="-11279"/>
           <a:stretch>
             <a:fillRect/>
           </a:stretch>
         </p:blipFill>
         <p:spPr>
           <a:xfrm>
-            <a:off x="549275" y="1627603"/>
-            <a:ext cx="8042275" cy="4499068"/>
+            <a:off x="0" y="1235727"/>
+            <a:ext cx="4381798" cy="4920025"/>
           </a:xfrm>
           <a:prstGeom prst="rect">
             <a:avLst/>
           </a:prstGeom>
         </p:spPr>
       </p:pic>
+      <p:pic>
+        <p:nvPicPr>
+          <p:cNvPr id="5" name="图片 4"/>
+          <p:cNvPicPr/>
+          <p:nvPr/>
+        </p:nvPicPr>
+        <p:blipFill>
+          <a:blip r:embed="rId3">
+            <a:extLst>
+              <a:ext uri="{28A0092B-C50C-407E-A947-70E740481C1C}">
+                <a14:useLocalDpi xmlns:a14="http://schemas.microsoft.com/office/drawing/2010/main" val="0"/>
+              </a:ext>
+            </a:extLst>
+          </a:blip>
+          <a:stretch>
+            <a:fillRect/>
+          </a:stretch>
+        </p:blipFill>
+        <p:spPr>
+          <a:xfrm>
+            <a:off x="4191000" y="1086982"/>
+            <a:ext cx="4953000" cy="2900045"/>
+          </a:xfrm>
+          <a:prstGeom prst="rect">
+            <a:avLst/>
+          </a:prstGeom>
+        </p:spPr>
+      </p:pic>
+      <p:pic>
+        <p:nvPicPr>
+          <p:cNvPr id="6" name="图片 5"/>
+          <p:cNvPicPr/>
+          <p:nvPr/>
+        </p:nvPicPr>
+        <p:blipFill>
+          <a:blip r:embed="rId4">
+            <a:extLst>
+              <a:ext uri="{28A0092B-C50C-407E-A947-70E740481C1C}">
+                <a14:useLocalDpi xmlns:a14="http://schemas.microsoft.com/office/drawing/2010/main" val="0"/>
+              </a:ext>
+            </a:extLst>
+          </a:blip>
+          <a:stretch>
+            <a:fillRect/>
+          </a:stretch>
+        </p:blipFill>
+        <p:spPr>
+          <a:xfrm>
+            <a:off x="4191000" y="4127536"/>
+            <a:ext cx="4953000" cy="2730464"/>
+          </a:xfrm>
+          <a:prstGeom prst="rect">
+            <a:avLst/>
+          </a:prstGeom>
+        </p:spPr>
+      </p:pic>
     </p:spTree>
     <p:extLst>
       <p:ext uri="{BB962C8B-B14F-4D97-AF65-F5344CB8AC3E}">
-        <p14:creationId xmlns:p14="http://schemas.microsoft.com/office/powerpoint/2010/main" val="1320868244"/>
+        <p14:creationId xmlns:p14="http://schemas.microsoft.com/office/powerpoint/2010/main" val="2597820"/>
       </p:ext>
     </p:extLst>
   </p:cSld>
   <p:clrMapOvr>
     <a:masterClrMapping/>
   </p:clrMapOvr>
+  <p:timing>
+    <p:tnLst>
+      <p:par>
+        <p:cTn xmlns:p14="http://schemas.microsoft.com/office/powerpoint/2010/main" id="1" dur="indefinite" restart="never" nodeType="tmRoot"/>
+      </p:par>
+    </p:tnLst>
+  </p:timing>
 </p:sld>
 </file>
 
@@ -5011,8 +5078,8 @@
         </p:nvSpPr>
         <p:spPr>
           <a:xfrm>
-            <a:off x="652242" y="279205"/>
-            <a:ext cx="8042276" cy="1336956"/>
+            <a:off x="549275" y="107575"/>
+            <a:ext cx="8042276" cy="1492625"/>
           </a:xfrm>
         </p:spPr>
         <p:txBody>
@@ -5020,20 +5087,16 @@
           <a:lstStyle/>
           <a:p>
             <a:r>
-              <a:rPr lang="en-US" altLang="zh-CN" sz="4000" b="1" dirty="0"/>
-              <a:t>Household Movement vs. Graduation </a:t>
-            </a:r>
-            <a:r>
-              <a:rPr lang="en-US" altLang="zh-CN" sz="4000" b="1" dirty="0" smtClean="0"/>
-              <a:t>Rate</a:t>
-            </a:r>
-            <a:endParaRPr kumimoji="1" lang="zh-CN" altLang="en-US" sz="4000" b="1" dirty="0"/>
+              <a:rPr kumimoji="1" lang="en-US" altLang="zh-CN" b="1" dirty="0" smtClean="0"/>
+              <a:t>Population Education Level vs. GR</a:t>
+            </a:r>
+            <a:endParaRPr kumimoji="1" lang="zh-CN" altLang="en-US" b="1" dirty="0"/>
           </a:p>
         </p:txBody>
       </p:sp>
       <p:pic>
         <p:nvPicPr>
-          <p:cNvPr id="4" name="内容占位符 3"/>
+          <p:cNvPr id="7" name="内容占位符 6" descr="college.PNG"/>
           <p:cNvPicPr>
             <a:picLocks noGrp="1"/>
           </p:cNvPicPr>
@@ -5041,21 +5104,17 @@
             <p:ph idx="1"/>
           </p:nvPr>
         </p:nvPicPr>
-        <p:blipFill rotWithShape="1">
-          <a:blip r:embed="rId2">
-            <a:extLst>
-              <a:ext uri="{28A0092B-C50C-407E-A947-70E740481C1C}">
-                <a14:useLocalDpi xmlns:a14="http://schemas.microsoft.com/office/drawing/2010/main" val="0"/>
-              </a:ext>
-            </a:extLst>
-          </a:blip>
-          <a:srcRect t="1665" r="12682" b="251"/>
-          <a:stretch/>
+        <p:blipFill>
+          <a:blip r:embed="rId2"/>
+          <a:srcRect l="-1219" r="-1219"/>
+          <a:stretch>
+            <a:fillRect/>
+          </a:stretch>
         </p:blipFill>
         <p:spPr>
           <a:xfrm>
-            <a:off x="302955" y="1616161"/>
-            <a:ext cx="8587611" cy="4978238"/>
+            <a:off x="549275" y="1600201"/>
+            <a:ext cx="8042276" cy="4967460"/>
           </a:xfrm>
           <a:prstGeom prst="rect">
             <a:avLst/>
@@ -5065,13 +5124,20 @@
     </p:spTree>
     <p:extLst>
       <p:ext uri="{BB962C8B-B14F-4D97-AF65-F5344CB8AC3E}">
-        <p14:creationId xmlns:p14="http://schemas.microsoft.com/office/powerpoint/2010/main" val="2518617248"/>
+        <p14:creationId xmlns:p14="http://schemas.microsoft.com/office/powerpoint/2010/main" val="3302970361"/>
       </p:ext>
     </p:extLst>
   </p:cSld>
   <p:clrMapOvr>
     <a:masterClrMapping/>
   </p:clrMapOvr>
+  <p:timing>
+    <p:tnLst>
+      <p:par>
+        <p:cTn xmlns:p14="http://schemas.microsoft.com/office/powerpoint/2010/main" id="1" dur="indefinite" restart="never" nodeType="tmRoot"/>
+      </p:par>
+    </p:tnLst>
+  </p:timing>
 </p:sld>
 </file>
 
@@ -5102,21 +5168,16 @@
             <p:ph type="title"/>
           </p:nvPr>
         </p:nvSpPr>
-        <p:spPr>
-          <a:xfrm>
-            <a:off x="549275" y="107576"/>
-            <a:ext cx="8042276" cy="979406"/>
-          </a:xfrm>
-        </p:spPr>
+        <p:spPr/>
         <p:txBody>
           <a:bodyPr/>
           <a:lstStyle/>
           <a:p>
             <a:r>
-              <a:rPr kumimoji="1" lang="en-US" altLang="zh-CN" b="1" dirty="0" smtClean="0"/>
-              <a:t>Poverty, Movement &amp; GR</a:t>
-            </a:r>
-            <a:endParaRPr kumimoji="1" lang="zh-CN" altLang="en-US" b="1" dirty="0"/>
+              <a:rPr lang="en-US" altLang="zh-CN" sz="4000" b="1" dirty="0"/>
+              <a:t>Linear regression of GR vs. family marriage status </a:t>
+            </a:r>
+            <a:endParaRPr kumimoji="1" lang="zh-CN" altLang="en-US" sz="4000" b="1" dirty="0"/>
           </a:p>
         </p:txBody>
       </p:sp>
@@ -5138,15 +5199,15 @@
               </a:ext>
             </a:extLst>
           </a:blip>
-          <a:srcRect l="-20900" r="-20900"/>
+          <a:srcRect l="-33440" r="-33440"/>
           <a:stretch>
             <a:fillRect/>
           </a:stretch>
         </p:blipFill>
         <p:spPr>
           <a:xfrm>
-            <a:off x="549274" y="1086982"/>
-            <a:ext cx="8191439" cy="5595099"/>
+            <a:off x="205933" y="1600201"/>
+            <a:ext cx="8832240" cy="5047554"/>
           </a:xfrm>
           <a:prstGeom prst="rect">
             <a:avLst/>
@@ -5156,7 +5217,7 @@
     </p:spTree>
     <p:extLst>
       <p:ext uri="{BB962C8B-B14F-4D97-AF65-F5344CB8AC3E}">
-        <p14:creationId xmlns:p14="http://schemas.microsoft.com/office/powerpoint/2010/main" val="2597820"/>
+        <p14:creationId xmlns:p14="http://schemas.microsoft.com/office/powerpoint/2010/main" val="4036736577"/>
       </p:ext>
     </p:extLst>
   </p:cSld>
@@ -5202,8 +5263,8 @@
         </p:nvSpPr>
         <p:spPr>
           <a:xfrm>
-            <a:off x="549275" y="107575"/>
-            <a:ext cx="8042276" cy="1492625"/>
+            <a:off x="549275" y="107576"/>
+            <a:ext cx="8042276" cy="1128151"/>
           </a:xfrm>
         </p:spPr>
         <p:txBody>
@@ -5212,7 +5273,7 @@
           <a:p>
             <a:r>
               <a:rPr kumimoji="1" lang="en-US" altLang="zh-CN" b="1" dirty="0" smtClean="0"/>
-              <a:t>Population Education Level vs. GR</a:t>
+              <a:t>KNN model prediction</a:t>
             </a:r>
             <a:endParaRPr kumimoji="1" lang="zh-CN" altLang="en-US" b="1" dirty="0"/>
           </a:p>
@@ -5220,7 +5281,7 @@
       </p:sp>
       <p:pic>
         <p:nvPicPr>
-          <p:cNvPr id="7" name="内容占位符 6" descr="college.PNG"/>
+          <p:cNvPr id="4" name="内容占位符 3"/>
           <p:cNvPicPr>
             <a:picLocks noGrp="1"/>
           </p:cNvPicPr>
@@ -5229,17 +5290,19 @@
           </p:nvPr>
         </p:nvPicPr>
         <p:blipFill>
-          <a:blip r:embed="rId2"/>
-          <a:srcRect l="-1219" r="-1219"/>
+          <a:blip r:embed="rId2">
+            <a:extLst>
+              <a:ext uri="{28A0092B-C50C-407E-A947-70E740481C1C}">
+                <a14:useLocalDpi xmlns:a14="http://schemas.microsoft.com/office/drawing/2010/main" val="0"/>
+              </a:ext>
+            </a:extLst>
+          </a:blip>
+          <a:srcRect l="-131" r="-131"/>
           <a:stretch>
             <a:fillRect/>
           </a:stretch>
         </p:blipFill>
         <p:spPr>
-          <a:xfrm>
-            <a:off x="549275" y="1600201"/>
-            <a:ext cx="8042276" cy="4967460"/>
-          </a:xfrm>
           <a:prstGeom prst="rect">
             <a:avLst/>
           </a:prstGeom>
@@ -5248,20 +5311,13 @@
     </p:spTree>
     <p:extLst>
       <p:ext uri="{BB962C8B-B14F-4D97-AF65-F5344CB8AC3E}">
-        <p14:creationId xmlns:p14="http://schemas.microsoft.com/office/powerpoint/2010/main" val="3302970361"/>
+        <p14:creationId xmlns:p14="http://schemas.microsoft.com/office/powerpoint/2010/main" val="1513573813"/>
       </p:ext>
     </p:extLst>
   </p:cSld>
   <p:clrMapOvr>
     <a:masterClrMapping/>
   </p:clrMapOvr>
-  <p:timing>
-    <p:tnLst>
-      <p:par>
-        <p:cTn xmlns:p14="http://schemas.microsoft.com/office/powerpoint/2010/main" id="1" dur="indefinite" restart="never" nodeType="tmRoot"/>
-      </p:par>
-    </p:tnLst>
-  </p:timing>
 </p:sld>
 </file>
 
@@ -5418,103 +5474,10 @@
           <a:lstStyle/>
           <a:p>
             <a:r>
-              <a:rPr lang="en-US" altLang="zh-CN" sz="4000" b="1" dirty="0"/>
-              <a:t>Linear regression of GR vs. family marriage status </a:t>
-            </a:r>
-            <a:endParaRPr kumimoji="1" lang="zh-CN" altLang="en-US" sz="4000" b="1" dirty="0"/>
-          </a:p>
-        </p:txBody>
-      </p:sp>
-      <p:pic>
-        <p:nvPicPr>
-          <p:cNvPr id="4" name="内容占位符 3"/>
-          <p:cNvPicPr>
-            <a:picLocks noGrp="1"/>
-          </p:cNvPicPr>
-          <p:nvPr>
-            <p:ph idx="1"/>
-          </p:nvPr>
-        </p:nvPicPr>
-        <p:blipFill>
-          <a:blip r:embed="rId2">
-            <a:extLst>
-              <a:ext uri="{28A0092B-C50C-407E-A947-70E740481C1C}">
-                <a14:useLocalDpi xmlns:a14="http://schemas.microsoft.com/office/drawing/2010/main" val="0"/>
-              </a:ext>
-            </a:extLst>
-          </a:blip>
-          <a:srcRect l="-33440" r="-33440"/>
-          <a:stretch>
-            <a:fillRect/>
-          </a:stretch>
-        </p:blipFill>
-        <p:spPr>
-          <a:xfrm>
-            <a:off x="205933" y="1600201"/>
-            <a:ext cx="8832240" cy="5047554"/>
-          </a:xfrm>
-          <a:prstGeom prst="rect">
-            <a:avLst/>
-          </a:prstGeom>
-        </p:spPr>
-      </p:pic>
-    </p:spTree>
-    <p:extLst>
-      <p:ext uri="{BB962C8B-B14F-4D97-AF65-F5344CB8AC3E}">
-        <p14:creationId xmlns:p14="http://schemas.microsoft.com/office/powerpoint/2010/main" val="4036736577"/>
-      </p:ext>
-    </p:extLst>
-  </p:cSld>
-  <p:clrMapOvr>
-    <a:masterClrMapping/>
-  </p:clrMapOvr>
-  <p:timing>
-    <p:tnLst>
-      <p:par>
-        <p:cTn xmlns:p14="http://schemas.microsoft.com/office/powerpoint/2010/main" id="1" dur="indefinite" restart="never" nodeType="tmRoot"/>
-      </p:par>
-    </p:tnLst>
-  </p:timing>
-</p:sld>
-</file>
-
-<file path=ppt/slides/slide21.xml><?xml version="1.0" encoding="utf-8"?>
-<p:sld xmlns:a="http://schemas.openxmlformats.org/drawingml/2006/main" xmlns:r="http://schemas.openxmlformats.org/officeDocument/2006/relationships" xmlns:p="http://schemas.openxmlformats.org/presentationml/2006/main">
-  <p:cSld>
-    <p:spTree>
-      <p:nvGrpSpPr>
-        <p:cNvPr id="1" name=""/>
-        <p:cNvGrpSpPr/>
-        <p:nvPr/>
-      </p:nvGrpSpPr>
-      <p:grpSpPr>
-        <a:xfrm>
-          <a:off x="0" y="0"/>
-          <a:ext cx="0" cy="0"/>
-          <a:chOff x="0" y="0"/>
-          <a:chExt cx="0" cy="0"/>
-        </a:xfrm>
-      </p:grpSpPr>
-      <p:sp>
-        <p:nvSpPr>
-          <p:cNvPr id="2" name="标题 1"/>
-          <p:cNvSpPr>
-            <a:spLocks noGrp="1"/>
-          </p:cNvSpPr>
-          <p:nvPr>
-            <p:ph type="title"/>
-          </p:nvPr>
-        </p:nvSpPr>
-        <p:spPr/>
-        <p:txBody>
-          <a:bodyPr/>
-          <a:lstStyle/>
-          <a:p>
-            <a:r>
-              <a:rPr kumimoji="1" lang="en-US" altLang="zh-CN" dirty="0" smtClean="0"/>
+              <a:rPr kumimoji="1" lang="en-US" altLang="zh-CN" b="1" dirty="0" smtClean="0"/>
               <a:t>Next Step</a:t>
             </a:r>
-            <a:endParaRPr kumimoji="1" lang="zh-CN" altLang="en-US" dirty="0"/>
+            <a:endParaRPr kumimoji="1" lang="zh-CN" altLang="en-US" b="1" dirty="0"/>
           </a:p>
         </p:txBody>
       </p:sp>
@@ -5577,7 +5540,7 @@
 </p:sld>
 </file>
 
-<file path=ppt/slides/slide22.xml><?xml version="1.0" encoding="utf-8"?>
+<file path=ppt/slides/slide21.xml><?xml version="1.0" encoding="utf-8"?>
 <p:sld xmlns:a="http://schemas.openxmlformats.org/drawingml/2006/main" xmlns:r="http://schemas.openxmlformats.org/officeDocument/2006/relationships" xmlns:p="http://schemas.openxmlformats.org/presentationml/2006/main">
   <p:cSld>
     <p:spTree>
@@ -6071,7 +6034,7 @@
         </p:nvSpPr>
         <p:spPr>
           <a:xfrm>
-            <a:off x="549275" y="2361634"/>
+            <a:off x="549275" y="3585920"/>
             <a:ext cx="8042276" cy="1336956"/>
           </a:xfrm>
         </p:spPr>
@@ -6080,10 +6043,31 @@
           <a:lstStyle/>
           <a:p>
             <a:r>
-              <a:rPr kumimoji="1" lang="en-US" altLang="zh-CN" sz="9600" b="1" dirty="0" smtClean="0"/>
+              <a:rPr kumimoji="1" lang="en-US" altLang="zh-CN" sz="7200" b="1" dirty="0" smtClean="0"/>
               <a:t>Analysis</a:t>
             </a:r>
-            <a:endParaRPr kumimoji="1" lang="zh-CN" altLang="en-US" sz="9600" b="1" dirty="0"/>
+            <a:br>
+              <a:rPr kumimoji="1" lang="en-US" altLang="zh-CN" sz="7200" b="1" dirty="0" smtClean="0"/>
+            </a:br>
+            <a:r>
+              <a:rPr kumimoji="1" lang="en-US" altLang="zh-CN" sz="7200" b="1" dirty="0" smtClean="0"/>
+              <a:t/>
+            </a:r>
+            <a:br>
+              <a:rPr kumimoji="1" lang="en-US" altLang="zh-CN" sz="7200" b="1" dirty="0" smtClean="0"/>
+            </a:br>
+            <a:r>
+              <a:rPr kumimoji="1" lang="en-US" altLang="zh-CN" sz="4000" b="1" dirty="0" smtClean="0"/>
+              <a:t>- Tableau Dashboard</a:t>
+            </a:r>
+            <a:br>
+              <a:rPr kumimoji="1" lang="en-US" altLang="zh-CN" sz="4000" b="1" dirty="0" smtClean="0"/>
+            </a:br>
+            <a:r>
+              <a:rPr kumimoji="1" lang="en-US" altLang="zh-CN" sz="4000" b="1" dirty="0" smtClean="0"/>
+              <a:t>- Machine Learning</a:t>
+            </a:r>
+            <a:endParaRPr kumimoji="1" lang="zh-CN" altLang="en-US" sz="4000" b="1" dirty="0"/>
           </a:p>
         </p:txBody>
       </p:sp>

--- a/Homework/Project/presentation.pptx
+++ b/Homework/Project/presentation.pptx
@@ -16,16 +16,15 @@
     <p:sldId id="282" r:id="rId10"/>
     <p:sldId id="283" r:id="rId11"/>
     <p:sldId id="284" r:id="rId12"/>
-    <p:sldId id="288" r:id="rId13"/>
-    <p:sldId id="286" r:id="rId14"/>
-    <p:sldId id="262" r:id="rId15"/>
-    <p:sldId id="263" r:id="rId16"/>
-    <p:sldId id="269" r:id="rId17"/>
-    <p:sldId id="270" r:id="rId18"/>
-    <p:sldId id="272" r:id="rId19"/>
-    <p:sldId id="290" r:id="rId20"/>
-    <p:sldId id="289" r:id="rId21"/>
-    <p:sldId id="273" r:id="rId22"/>
+    <p:sldId id="262" r:id="rId13"/>
+    <p:sldId id="263" r:id="rId14"/>
+    <p:sldId id="269" r:id="rId15"/>
+    <p:sldId id="270" r:id="rId16"/>
+    <p:sldId id="272" r:id="rId17"/>
+    <p:sldId id="290" r:id="rId18"/>
+    <p:sldId id="291" r:id="rId19"/>
+    <p:sldId id="289" r:id="rId20"/>
+    <p:sldId id="273" r:id="rId21"/>
   </p:sldIdLst>
   <p:sldSz cx="9144000" cy="6858000" type="screen4x3"/>
   <p:notesSz cx="6858000" cy="9144000"/>
@@ -4237,423 +4236,6 @@
           <a:lstStyle/>
           <a:p>
             <a:r>
-              <a:rPr lang="en-US" altLang="zh-CN" sz="4400" b="1" dirty="0"/>
-              <a:t> School Safety ranking vs. graduation </a:t>
-            </a:r>
-            <a:r>
-              <a:rPr lang="en-US" altLang="zh-CN" sz="4400" b="1" dirty="0" smtClean="0"/>
-              <a:t>rate</a:t>
-            </a:r>
-            <a:endParaRPr kumimoji="1" lang="zh-CN" altLang="en-US" sz="4400" b="1" dirty="0"/>
-          </a:p>
-        </p:txBody>
-      </p:sp>
-      <p:pic>
-        <p:nvPicPr>
-          <p:cNvPr id="4" name="内容占位符 3"/>
-          <p:cNvPicPr>
-            <a:picLocks noGrp="1"/>
-          </p:cNvPicPr>
-          <p:nvPr>
-            <p:ph idx="1"/>
-          </p:nvPr>
-        </p:nvPicPr>
-        <p:blipFill>
-          <a:blip r:embed="rId2">
-            <a:extLst>
-              <a:ext uri="{28A0092B-C50C-407E-A947-70E740481C1C}">
-                <a14:useLocalDpi xmlns:a14="http://schemas.microsoft.com/office/drawing/2010/main" val="0"/>
-              </a:ext>
-            </a:extLst>
-          </a:blip>
-          <a:srcRect t="1925" b="1925"/>
-          <a:stretch>
-            <a:fillRect/>
-          </a:stretch>
-        </p:blipFill>
-        <p:spPr>
-          <a:prstGeom prst="rect">
-            <a:avLst/>
-          </a:prstGeom>
-        </p:spPr>
-      </p:pic>
-      <p:sp>
-        <p:nvSpPr>
-          <p:cNvPr id="3" name="矩形 2"/>
-          <p:cNvSpPr/>
-          <p:nvPr/>
-        </p:nvSpPr>
-        <p:spPr>
-          <a:xfrm>
-            <a:off x="549275" y="5591309"/>
-            <a:ext cx="2762370" cy="369332"/>
-          </a:xfrm>
-          <a:prstGeom prst="rect">
-            <a:avLst/>
-          </a:prstGeom>
-        </p:spPr>
-        <p:txBody>
-          <a:bodyPr wrap="none">
-            <a:spAutoFit/>
-          </a:bodyPr>
-          <a:lstStyle/>
-          <a:p>
-            <a:r>
-              <a:rPr kumimoji="1" lang="en-US" altLang="zh-CN" b="1" dirty="0" err="1" smtClean="0">
-                <a:solidFill>
-                  <a:schemeClr val="bg2">
-                    <a:lumMod val="25000"/>
-                  </a:schemeClr>
-                </a:solidFill>
-              </a:rPr>
-              <a:t>Orange:good</a:t>
-            </a:r>
-            <a:r>
-              <a:rPr kumimoji="1" lang="en-US" altLang="zh-CN" b="1" dirty="0" smtClean="0">
-                <a:solidFill>
-                  <a:schemeClr val="bg2">
-                    <a:lumMod val="25000"/>
-                  </a:schemeClr>
-                </a:solidFill>
-              </a:rPr>
-              <a:t>  </a:t>
-            </a:r>
-            <a:r>
-              <a:rPr kumimoji="1" lang="en-US" altLang="zh-CN" b="1" dirty="0" err="1" smtClean="0">
-                <a:solidFill>
-                  <a:schemeClr val="bg2">
-                    <a:lumMod val="25000"/>
-                  </a:schemeClr>
-                </a:solidFill>
-              </a:rPr>
-              <a:t>Blue:bad</a:t>
-            </a:r>
-            <a:endParaRPr kumimoji="1" lang="zh-CN" altLang="en-US" b="1" dirty="0">
-              <a:solidFill>
-                <a:schemeClr val="bg2">
-                  <a:lumMod val="25000"/>
-                </a:schemeClr>
-              </a:solidFill>
-            </a:endParaRPr>
-          </a:p>
-        </p:txBody>
-      </p:sp>
-    </p:spTree>
-    <p:extLst>
-      <p:ext uri="{BB962C8B-B14F-4D97-AF65-F5344CB8AC3E}">
-        <p14:creationId xmlns:p14="http://schemas.microsoft.com/office/powerpoint/2010/main" val="2364388580"/>
-      </p:ext>
-    </p:extLst>
-  </p:cSld>
-  <p:clrMapOvr>
-    <a:masterClrMapping/>
-  </p:clrMapOvr>
-</p:sld>
-</file>
-
-<file path=ppt/slides/slide13.xml><?xml version="1.0" encoding="utf-8"?>
-<p:sld xmlns:a="http://schemas.openxmlformats.org/drawingml/2006/main" xmlns:r="http://schemas.openxmlformats.org/officeDocument/2006/relationships" xmlns:p="http://schemas.openxmlformats.org/presentationml/2006/main">
-  <p:cSld>
-    <p:spTree>
-      <p:nvGrpSpPr>
-        <p:cNvPr id="1" name=""/>
-        <p:cNvGrpSpPr/>
-        <p:nvPr/>
-      </p:nvGrpSpPr>
-      <p:grpSpPr>
-        <a:xfrm>
-          <a:off x="0" y="0"/>
-          <a:ext cx="0" cy="0"/>
-          <a:chOff x="0" y="0"/>
-          <a:chExt cx="0" cy="0"/>
-        </a:xfrm>
-      </p:grpSpPr>
-      <p:pic>
-        <p:nvPicPr>
-          <p:cNvPr id="4" name="内容占位符 3"/>
-          <p:cNvPicPr>
-            <a:picLocks noGrp="1"/>
-          </p:cNvPicPr>
-          <p:nvPr>
-            <p:ph idx="1"/>
-          </p:nvPr>
-        </p:nvPicPr>
-        <p:blipFill>
-          <a:blip r:embed="rId2">
-            <a:extLst>
-              <a:ext uri="{28A0092B-C50C-407E-A947-70E740481C1C}">
-                <a14:useLocalDpi xmlns:a14="http://schemas.microsoft.com/office/drawing/2010/main" val="0"/>
-              </a:ext>
-            </a:extLst>
-          </a:blip>
-          <a:srcRect l="-253" r="-253"/>
-          <a:stretch>
-            <a:fillRect/>
-          </a:stretch>
-        </p:blipFill>
-        <p:spPr>
-          <a:xfrm>
-            <a:off x="3320853" y="0"/>
-            <a:ext cx="5270697" cy="3646726"/>
-          </a:xfrm>
-          <a:prstGeom prst="rect">
-            <a:avLst/>
-          </a:prstGeom>
-        </p:spPr>
-      </p:pic>
-      <p:pic>
-        <p:nvPicPr>
-          <p:cNvPr id="5" name="内容占位符 3"/>
-          <p:cNvPicPr>
-            <a:picLocks/>
-          </p:cNvPicPr>
-          <p:nvPr/>
-        </p:nvPicPr>
-        <p:blipFill>
-          <a:blip r:embed="rId3">
-            <a:extLst>
-              <a:ext uri="{28A0092B-C50C-407E-A947-70E740481C1C}">
-                <a14:useLocalDpi xmlns:a14="http://schemas.microsoft.com/office/drawing/2010/main" val="0"/>
-              </a:ext>
-            </a:extLst>
-          </a:blip>
-          <a:srcRect t="-819" b="-819"/>
-          <a:stretch>
-            <a:fillRect/>
-          </a:stretch>
-        </p:blipFill>
-        <p:spPr>
-          <a:xfrm>
-            <a:off x="3425723" y="3095034"/>
-            <a:ext cx="5002697" cy="3762966"/>
-          </a:xfrm>
-          <a:prstGeom prst="rect">
-            <a:avLst/>
-          </a:prstGeom>
-        </p:spPr>
-      </p:pic>
-      <p:sp>
-        <p:nvSpPr>
-          <p:cNvPr id="6" name="矩形 5"/>
-          <p:cNvSpPr/>
-          <p:nvPr/>
-        </p:nvSpPr>
-        <p:spPr>
-          <a:xfrm>
-            <a:off x="574053" y="1033651"/>
-            <a:ext cx="1605578" cy="707886"/>
-          </a:xfrm>
-          <a:prstGeom prst="rect">
-            <a:avLst/>
-          </a:prstGeom>
-          <a:noFill/>
-        </p:spPr>
-        <p:txBody>
-          <a:bodyPr wrap="none" lIns="91440" tIns="45720" rIns="91440" bIns="45720">
-            <a:spAutoFit/>
-          </a:bodyPr>
-          <a:lstStyle/>
-          <a:p>
-            <a:pPr algn="ctr"/>
-            <a:r>
-              <a:rPr lang="en-US" altLang="zh-CN" sz="4000" b="1" cap="none" spc="0" dirty="0" smtClean="0">
-                <a:ln w="12700">
-                  <a:solidFill>
-                    <a:schemeClr val="tx2">
-                      <a:satMod val="155000"/>
-                    </a:schemeClr>
-                  </a:solidFill>
-                  <a:prstDash val="solid"/>
-                </a:ln>
-                <a:solidFill>
-                  <a:schemeClr val="bg2">
-                    <a:tint val="85000"/>
-                    <a:satMod val="155000"/>
-                  </a:schemeClr>
-                </a:solidFill>
-                <a:effectLst>
-                  <a:outerShdw blurRad="41275" dist="20320" dir="1800000" algn="tl" rotWithShape="0">
-                    <a:srgbClr val="000000">
-                      <a:alpha val="40000"/>
-                    </a:srgbClr>
-                  </a:outerShdw>
-                </a:effectLst>
-              </a:rPr>
-              <a:t>North</a:t>
-            </a:r>
-            <a:endParaRPr lang="zh-CN" altLang="en-US" sz="4000" b="1" cap="none" spc="0" dirty="0">
-              <a:ln w="12700">
-                <a:solidFill>
-                  <a:schemeClr val="tx2">
-                    <a:satMod val="155000"/>
-                  </a:schemeClr>
-                </a:solidFill>
-                <a:prstDash val="solid"/>
-              </a:ln>
-              <a:solidFill>
-                <a:schemeClr val="bg2">
-                  <a:tint val="85000"/>
-                  <a:satMod val="155000"/>
-                </a:schemeClr>
-              </a:solidFill>
-              <a:effectLst>
-                <a:outerShdw blurRad="41275" dist="20320" dir="1800000" algn="tl" rotWithShape="0">
-                  <a:srgbClr val="000000">
-                    <a:alpha val="40000"/>
-                  </a:srgbClr>
-                </a:outerShdw>
-              </a:effectLst>
-            </a:endParaRPr>
-          </a:p>
-        </p:txBody>
-      </p:sp>
-      <p:sp>
-        <p:nvSpPr>
-          <p:cNvPr id="7" name="矩形 6"/>
-          <p:cNvSpPr/>
-          <p:nvPr/>
-        </p:nvSpPr>
-        <p:spPr>
-          <a:xfrm>
-            <a:off x="567541" y="4752019"/>
-            <a:ext cx="1612090" cy="707886"/>
-          </a:xfrm>
-          <a:prstGeom prst="rect">
-            <a:avLst/>
-          </a:prstGeom>
-          <a:noFill/>
-        </p:spPr>
-        <p:txBody>
-          <a:bodyPr wrap="none" lIns="91440" tIns="45720" rIns="91440" bIns="45720">
-            <a:spAutoFit/>
-          </a:bodyPr>
-          <a:lstStyle/>
-          <a:p>
-            <a:pPr algn="ctr"/>
-            <a:r>
-              <a:rPr lang="en-US" altLang="zh-CN" sz="4000" b="1" dirty="0" smtClean="0">
-                <a:ln w="12700">
-                  <a:solidFill>
-                    <a:schemeClr val="tx2">
-                      <a:satMod val="155000"/>
-                    </a:schemeClr>
-                  </a:solidFill>
-                  <a:prstDash val="solid"/>
-                </a:ln>
-                <a:solidFill>
-                  <a:schemeClr val="bg2">
-                    <a:tint val="85000"/>
-                    <a:satMod val="155000"/>
-                  </a:schemeClr>
-                </a:solidFill>
-                <a:effectLst>
-                  <a:outerShdw blurRad="41275" dist="20320" dir="1800000" algn="tl" rotWithShape="0">
-                    <a:srgbClr val="000000">
-                      <a:alpha val="40000"/>
-                    </a:srgbClr>
-                  </a:outerShdw>
-                </a:effectLst>
-              </a:rPr>
-              <a:t>Sou</a:t>
-            </a:r>
-            <a:r>
-              <a:rPr lang="en-US" altLang="zh-CN" sz="4000" b="1" cap="none" spc="0" dirty="0" smtClean="0">
-                <a:ln w="12700">
-                  <a:solidFill>
-                    <a:schemeClr val="tx2">
-                      <a:satMod val="155000"/>
-                    </a:schemeClr>
-                  </a:solidFill>
-                  <a:prstDash val="solid"/>
-                </a:ln>
-                <a:solidFill>
-                  <a:schemeClr val="bg2">
-                    <a:tint val="85000"/>
-                    <a:satMod val="155000"/>
-                  </a:schemeClr>
-                </a:solidFill>
-                <a:effectLst>
-                  <a:outerShdw blurRad="41275" dist="20320" dir="1800000" algn="tl" rotWithShape="0">
-                    <a:srgbClr val="000000">
-                      <a:alpha val="40000"/>
-                    </a:srgbClr>
-                  </a:outerShdw>
-                </a:effectLst>
-              </a:rPr>
-              <a:t>th</a:t>
-            </a:r>
-            <a:endParaRPr lang="zh-CN" altLang="en-US" sz="4000" b="1" cap="none" spc="0" dirty="0">
-              <a:ln w="12700">
-                <a:solidFill>
-                  <a:schemeClr val="tx2">
-                    <a:satMod val="155000"/>
-                  </a:schemeClr>
-                </a:solidFill>
-                <a:prstDash val="solid"/>
-              </a:ln>
-              <a:solidFill>
-                <a:schemeClr val="bg2">
-                  <a:tint val="85000"/>
-                  <a:satMod val="155000"/>
-                </a:schemeClr>
-              </a:solidFill>
-              <a:effectLst>
-                <a:outerShdw blurRad="41275" dist="20320" dir="1800000" algn="tl" rotWithShape="0">
-                  <a:srgbClr val="000000">
-                    <a:alpha val="40000"/>
-                  </a:srgbClr>
-                </a:outerShdw>
-              </a:effectLst>
-            </a:endParaRPr>
-          </a:p>
-        </p:txBody>
-      </p:sp>
-    </p:spTree>
-    <p:extLst>
-      <p:ext uri="{BB962C8B-B14F-4D97-AF65-F5344CB8AC3E}">
-        <p14:creationId xmlns:p14="http://schemas.microsoft.com/office/powerpoint/2010/main" val="2904468037"/>
-      </p:ext>
-    </p:extLst>
-  </p:cSld>
-  <p:clrMapOvr>
-    <a:masterClrMapping/>
-  </p:clrMapOvr>
-</p:sld>
-</file>
-
-<file path=ppt/slides/slide14.xml><?xml version="1.0" encoding="utf-8"?>
-<p:sld xmlns:a="http://schemas.openxmlformats.org/drawingml/2006/main" xmlns:r="http://schemas.openxmlformats.org/officeDocument/2006/relationships" xmlns:p="http://schemas.openxmlformats.org/presentationml/2006/main">
-  <p:cSld>
-    <p:spTree>
-      <p:nvGrpSpPr>
-        <p:cNvPr id="1" name=""/>
-        <p:cNvGrpSpPr/>
-        <p:nvPr/>
-      </p:nvGrpSpPr>
-      <p:grpSpPr>
-        <a:xfrm>
-          <a:off x="0" y="0"/>
-          <a:ext cx="0" cy="0"/>
-          <a:chOff x="0" y="0"/>
-          <a:chExt cx="0" cy="0"/>
-        </a:xfrm>
-      </p:grpSpPr>
-      <p:sp>
-        <p:nvSpPr>
-          <p:cNvPr id="2" name="标题 1"/>
-          <p:cNvSpPr>
-            <a:spLocks noGrp="1"/>
-          </p:cNvSpPr>
-          <p:nvPr>
-            <p:ph type="title"/>
-          </p:nvPr>
-        </p:nvSpPr>
-        <p:spPr/>
-        <p:txBody>
-          <a:bodyPr/>
-          <a:lstStyle/>
-          <a:p>
-            <a:r>
               <a:rPr kumimoji="1" lang="en-US" altLang="zh-CN" b="1" dirty="0" smtClean="0"/>
               <a:t>Feature Importance</a:t>
             </a:r>
@@ -4809,7 +4391,7 @@
 </p:sld>
 </file>
 
-<file path=ppt/slides/slide15.xml><?xml version="1.0" encoding="utf-8"?>
+<file path=ppt/slides/slide13.xml><?xml version="1.0" encoding="utf-8"?>
 <p:sld xmlns:a="http://schemas.openxmlformats.org/drawingml/2006/main" xmlns:r="http://schemas.openxmlformats.org/officeDocument/2006/relationships" xmlns:p="http://schemas.openxmlformats.org/presentationml/2006/main">
   <p:cSld>
     <p:spTree>
@@ -4895,7 +4477,7 @@
 </p:sld>
 </file>
 
-<file path=ppt/slides/slide16.xml><?xml version="1.0" encoding="utf-8"?>
+<file path=ppt/slides/slide14.xml><?xml version="1.0" encoding="utf-8"?>
 <p:sld xmlns:a="http://schemas.openxmlformats.org/drawingml/2006/main" xmlns:r="http://schemas.openxmlformats.org/officeDocument/2006/relationships" xmlns:p="http://schemas.openxmlformats.org/presentationml/2006/main">
   <p:cSld>
     <p:spTree>
@@ -5049,7 +4631,7 @@
 </p:sld>
 </file>
 
-<file path=ppt/slides/slide17.xml><?xml version="1.0" encoding="utf-8"?>
+<file path=ppt/slides/slide15.xml><?xml version="1.0" encoding="utf-8"?>
 <p:sld xmlns:a="http://schemas.openxmlformats.org/drawingml/2006/main" xmlns:r="http://schemas.openxmlformats.org/officeDocument/2006/relationships" xmlns:p="http://schemas.openxmlformats.org/presentationml/2006/main">
   <p:cSld>
     <p:spTree>
@@ -5141,7 +4723,7 @@
 </p:sld>
 </file>
 
-<file path=ppt/slides/slide18.xml><?xml version="1.0" encoding="utf-8"?>
+<file path=ppt/slides/slide16.xml><?xml version="1.0" encoding="utf-8"?>
 <p:sld xmlns:a="http://schemas.openxmlformats.org/drawingml/2006/main" xmlns:r="http://schemas.openxmlformats.org/officeDocument/2006/relationships" xmlns:p="http://schemas.openxmlformats.org/presentationml/2006/main">
   <p:cSld>
     <p:spTree>
@@ -5234,7 +4816,7 @@
 </p:sld>
 </file>
 
-<file path=ppt/slides/slide19.xml><?xml version="1.0" encoding="utf-8"?>
+<file path=ppt/slides/slide17.xml><?xml version="1.0" encoding="utf-8"?>
 <p:sld xmlns:a="http://schemas.openxmlformats.org/drawingml/2006/main" xmlns:r="http://schemas.openxmlformats.org/officeDocument/2006/relationships" xmlns:p="http://schemas.openxmlformats.org/presentationml/2006/main">
   <p:cSld>
     <p:spTree>
@@ -5321,6 +4903,199 @@
 </p:sld>
 </file>
 
+<file path=ppt/slides/slide18.xml><?xml version="1.0" encoding="utf-8"?>
+<p:sld xmlns:a="http://schemas.openxmlformats.org/drawingml/2006/main" xmlns:r="http://schemas.openxmlformats.org/officeDocument/2006/relationships" xmlns:p="http://schemas.openxmlformats.org/presentationml/2006/main">
+  <p:cSld>
+    <p:spTree>
+      <p:nvGrpSpPr>
+        <p:cNvPr id="1" name=""/>
+        <p:cNvGrpSpPr/>
+        <p:nvPr/>
+      </p:nvGrpSpPr>
+      <p:grpSpPr>
+        <a:xfrm>
+          <a:off x="0" y="0"/>
+          <a:ext cx="0" cy="0"/>
+          <a:chOff x="0" y="0"/>
+          <a:chExt cx="0" cy="0"/>
+        </a:xfrm>
+      </p:grpSpPr>
+      <p:sp>
+        <p:nvSpPr>
+          <p:cNvPr id="2" name="标题 1"/>
+          <p:cNvSpPr>
+            <a:spLocks noGrp="1"/>
+          </p:cNvSpPr>
+          <p:nvPr>
+            <p:ph type="title"/>
+          </p:nvPr>
+        </p:nvSpPr>
+        <p:spPr/>
+        <p:txBody>
+          <a:bodyPr/>
+          <a:lstStyle/>
+          <a:p>
+            <a:r>
+              <a:rPr kumimoji="1" lang="en-US" altLang="zh-CN" b="1" dirty="0" smtClean="0"/>
+              <a:t>Challenge</a:t>
+            </a:r>
+            <a:endParaRPr kumimoji="1" lang="zh-CN" altLang="en-US" b="1" dirty="0"/>
+          </a:p>
+        </p:txBody>
+      </p:sp>
+      <p:sp>
+        <p:nvSpPr>
+          <p:cNvPr id="3" name="内容占位符 2"/>
+          <p:cNvSpPr>
+            <a:spLocks noGrp="1"/>
+          </p:cNvSpPr>
+          <p:nvPr>
+            <p:ph idx="1"/>
+          </p:nvPr>
+        </p:nvSpPr>
+        <p:spPr/>
+        <p:txBody>
+          <a:bodyPr/>
+          <a:lstStyle/>
+          <a:p>
+            <a:r>
+              <a:rPr kumimoji="1" lang="en-US" altLang="zh-CN" dirty="0" smtClean="0"/>
+              <a:t>Large dataset with lots of variables, hard to choose the right ones to analyze</a:t>
+            </a:r>
+          </a:p>
+          <a:p>
+            <a:r>
+              <a:rPr kumimoji="1" lang="en-US" altLang="zh-CN" dirty="0" smtClean="0"/>
+              <a:t>Lots of missing values and errors</a:t>
+            </a:r>
+          </a:p>
+          <a:p>
+            <a:r>
+              <a:rPr kumimoji="1" lang="en-US" altLang="zh-CN" dirty="0" smtClean="0"/>
+              <a:t>Need to format variables perfectly, have problem fit in models</a:t>
+            </a:r>
+          </a:p>
+          <a:p>
+            <a:r>
+              <a:rPr kumimoji="1" lang="en-US" altLang="zh-CN" dirty="0" smtClean="0"/>
+              <a:t>Some of the variables may contribute to the result together, not accuracy to analyze one variable</a:t>
+            </a:r>
+            <a:endParaRPr kumimoji="1" lang="zh-CN" altLang="en-US" dirty="0"/>
+          </a:p>
+        </p:txBody>
+      </p:sp>
+    </p:spTree>
+    <p:extLst>
+      <p:ext uri="{BB962C8B-B14F-4D97-AF65-F5344CB8AC3E}">
+        <p14:creationId xmlns:p14="http://schemas.microsoft.com/office/powerpoint/2010/main" val="1964491378"/>
+      </p:ext>
+    </p:extLst>
+  </p:cSld>
+  <p:clrMapOvr>
+    <a:masterClrMapping/>
+  </p:clrMapOvr>
+</p:sld>
+</file>
+
+<file path=ppt/slides/slide19.xml><?xml version="1.0" encoding="utf-8"?>
+<p:sld xmlns:a="http://schemas.openxmlformats.org/drawingml/2006/main" xmlns:r="http://schemas.openxmlformats.org/officeDocument/2006/relationships" xmlns:p="http://schemas.openxmlformats.org/presentationml/2006/main">
+  <p:cSld>
+    <p:spTree>
+      <p:nvGrpSpPr>
+        <p:cNvPr id="1" name=""/>
+        <p:cNvGrpSpPr/>
+        <p:nvPr/>
+      </p:nvGrpSpPr>
+      <p:grpSpPr>
+        <a:xfrm>
+          <a:off x="0" y="0"/>
+          <a:ext cx="0" cy="0"/>
+          <a:chOff x="0" y="0"/>
+          <a:chExt cx="0" cy="0"/>
+        </a:xfrm>
+      </p:grpSpPr>
+      <p:sp>
+        <p:nvSpPr>
+          <p:cNvPr id="2" name="标题 1"/>
+          <p:cNvSpPr>
+            <a:spLocks noGrp="1"/>
+          </p:cNvSpPr>
+          <p:nvPr>
+            <p:ph type="title"/>
+          </p:nvPr>
+        </p:nvSpPr>
+        <p:spPr/>
+        <p:txBody>
+          <a:bodyPr/>
+          <a:lstStyle/>
+          <a:p>
+            <a:r>
+              <a:rPr kumimoji="1" lang="en-US" altLang="zh-CN" b="1" dirty="0" smtClean="0"/>
+              <a:t>Next Step</a:t>
+            </a:r>
+            <a:endParaRPr kumimoji="1" lang="zh-CN" altLang="en-US" b="1" dirty="0"/>
+          </a:p>
+        </p:txBody>
+      </p:sp>
+      <p:sp>
+        <p:nvSpPr>
+          <p:cNvPr id="3" name="内容占位符 2"/>
+          <p:cNvSpPr>
+            <a:spLocks noGrp="1"/>
+          </p:cNvSpPr>
+          <p:nvPr>
+            <p:ph idx="1"/>
+          </p:nvPr>
+        </p:nvSpPr>
+        <p:spPr>
+          <a:xfrm>
+            <a:off x="549275" y="1932017"/>
+            <a:ext cx="8042276" cy="4343400"/>
+          </a:xfrm>
+        </p:spPr>
+        <p:txBody>
+          <a:bodyPr/>
+          <a:lstStyle/>
+          <a:p>
+            <a:r>
+              <a:rPr kumimoji="1" lang="en-US" altLang="zh-CN" dirty="0" smtClean="0"/>
+              <a:t>Trying more models to analyze root causes</a:t>
+            </a:r>
+          </a:p>
+          <a:p>
+            <a:r>
+              <a:rPr kumimoji="1" lang="en-US" altLang="zh-CN" dirty="0" smtClean="0"/>
+              <a:t>Built different models to predict future graduation rate and dropout rate</a:t>
+            </a:r>
+          </a:p>
+          <a:p>
+            <a:r>
+              <a:rPr kumimoji="1" lang="en-US" altLang="zh-CN" dirty="0" smtClean="0"/>
+              <a:t>Use more variables for analysis</a:t>
+            </a:r>
+          </a:p>
+          <a:p>
+            <a:r>
+              <a:rPr kumimoji="1" lang="en-US" altLang="zh-CN" dirty="0" smtClean="0"/>
+              <a:t>Collaborate other related dataset for analysis and give more accuracy suggestion</a:t>
+            </a:r>
+            <a:endParaRPr kumimoji="1" lang="zh-CN" altLang="en-US" dirty="0"/>
+          </a:p>
+        </p:txBody>
+      </p:sp>
+    </p:spTree>
+    <p:extLst>
+      <p:ext uri="{BB962C8B-B14F-4D97-AF65-F5344CB8AC3E}">
+        <p14:creationId xmlns:p14="http://schemas.microsoft.com/office/powerpoint/2010/main" val="2995229593"/>
+      </p:ext>
+    </p:extLst>
+  </p:cSld>
+  <p:clrMapOvr>
+    <a:masterClrMapping/>
+  </p:clrMapOvr>
+</p:sld>
+</file>
+
 <file path=ppt/slides/slide2.xml><?xml version="1.0" encoding="utf-8"?>
 <p:sld xmlns:a="http://schemas.openxmlformats.org/drawingml/2006/main" xmlns:r="http://schemas.openxmlformats.org/officeDocument/2006/relationships" xmlns:p="http://schemas.openxmlformats.org/presentationml/2006/main">
   <p:cSld>
@@ -5442,105 +5217,6 @@
 </file>
 
 <file path=ppt/slides/slide20.xml><?xml version="1.0" encoding="utf-8"?>
-<p:sld xmlns:a="http://schemas.openxmlformats.org/drawingml/2006/main" xmlns:r="http://schemas.openxmlformats.org/officeDocument/2006/relationships" xmlns:p="http://schemas.openxmlformats.org/presentationml/2006/main">
-  <p:cSld>
-    <p:spTree>
-      <p:nvGrpSpPr>
-        <p:cNvPr id="1" name=""/>
-        <p:cNvGrpSpPr/>
-        <p:nvPr/>
-      </p:nvGrpSpPr>
-      <p:grpSpPr>
-        <a:xfrm>
-          <a:off x="0" y="0"/>
-          <a:ext cx="0" cy="0"/>
-          <a:chOff x="0" y="0"/>
-          <a:chExt cx="0" cy="0"/>
-        </a:xfrm>
-      </p:grpSpPr>
-      <p:sp>
-        <p:nvSpPr>
-          <p:cNvPr id="2" name="标题 1"/>
-          <p:cNvSpPr>
-            <a:spLocks noGrp="1"/>
-          </p:cNvSpPr>
-          <p:nvPr>
-            <p:ph type="title"/>
-          </p:nvPr>
-        </p:nvSpPr>
-        <p:spPr/>
-        <p:txBody>
-          <a:bodyPr/>
-          <a:lstStyle/>
-          <a:p>
-            <a:r>
-              <a:rPr kumimoji="1" lang="en-US" altLang="zh-CN" b="1" dirty="0" smtClean="0"/>
-              <a:t>Next Step</a:t>
-            </a:r>
-            <a:endParaRPr kumimoji="1" lang="zh-CN" altLang="en-US" b="1" dirty="0"/>
-          </a:p>
-        </p:txBody>
-      </p:sp>
-      <p:sp>
-        <p:nvSpPr>
-          <p:cNvPr id="3" name="内容占位符 2"/>
-          <p:cNvSpPr>
-            <a:spLocks noGrp="1"/>
-          </p:cNvSpPr>
-          <p:nvPr>
-            <p:ph idx="1"/>
-          </p:nvPr>
-        </p:nvSpPr>
-        <p:spPr>
-          <a:xfrm>
-            <a:off x="549275" y="1932017"/>
-            <a:ext cx="8042276" cy="4343400"/>
-          </a:xfrm>
-        </p:spPr>
-        <p:txBody>
-          <a:bodyPr/>
-          <a:lstStyle/>
-          <a:p>
-            <a:r>
-              <a:rPr kumimoji="1" lang="en-US" altLang="zh-CN" dirty="0" smtClean="0"/>
-              <a:t>Trying more models to analyze root causes</a:t>
-            </a:r>
-          </a:p>
-          <a:p>
-            <a:r>
-              <a:rPr kumimoji="1" lang="en-US" altLang="zh-CN" dirty="0" smtClean="0"/>
-              <a:t>Built different models to predict future graduation rate and dropout rate</a:t>
-            </a:r>
-          </a:p>
-          <a:p>
-            <a:r>
-              <a:rPr kumimoji="1" lang="en-US" altLang="zh-CN" dirty="0" smtClean="0"/>
-              <a:t>Use more variables for analysis</a:t>
-            </a:r>
-          </a:p>
-          <a:p>
-            <a:r>
-              <a:rPr kumimoji="1" lang="en-US" altLang="zh-CN" dirty="0" smtClean="0"/>
-              <a:t>Collaborate other related dataset for analysis and give more accuracy suggestion</a:t>
-            </a:r>
-            <a:endParaRPr kumimoji="1" lang="zh-CN" altLang="en-US" dirty="0"/>
-          </a:p>
-        </p:txBody>
-      </p:sp>
-    </p:spTree>
-    <p:extLst>
-      <p:ext uri="{BB962C8B-B14F-4D97-AF65-F5344CB8AC3E}">
-        <p14:creationId xmlns:p14="http://schemas.microsoft.com/office/powerpoint/2010/main" val="2995229593"/>
-      </p:ext>
-    </p:extLst>
-  </p:cSld>
-  <p:clrMapOvr>
-    <a:masterClrMapping/>
-  </p:clrMapOvr>
-</p:sld>
-</file>
-
-<file path=ppt/slides/slide21.xml><?xml version="1.0" encoding="utf-8"?>
 <p:sld xmlns:a="http://schemas.openxmlformats.org/drawingml/2006/main" xmlns:r="http://schemas.openxmlformats.org/officeDocument/2006/relationships" xmlns:p="http://schemas.openxmlformats.org/presentationml/2006/main">
   <p:cSld>
     <p:spTree>
@@ -6042,6 +5718,7 @@
           <a:bodyPr/>
           <a:lstStyle/>
           <a:p>
+            <a:pPr algn="l"/>
             <a:r>
               <a:rPr kumimoji="1" lang="en-US" altLang="zh-CN" sz="7200" b="1" dirty="0" smtClean="0"/>
               <a:t>Analysis</a:t>
@@ -6057,17 +5734,28 @@
               <a:rPr kumimoji="1" lang="en-US" altLang="zh-CN" sz="7200" b="1" dirty="0" smtClean="0"/>
             </a:br>
             <a:r>
-              <a:rPr kumimoji="1" lang="en-US" altLang="zh-CN" sz="4000" b="1" dirty="0" smtClean="0"/>
+              <a:rPr kumimoji="1" lang="en-US" altLang="zh-CN" sz="3200" dirty="0" smtClean="0"/>
               <a:t>- Tableau Dashboard</a:t>
             </a:r>
             <a:br>
-              <a:rPr kumimoji="1" lang="en-US" altLang="zh-CN" sz="4000" b="1" dirty="0" smtClean="0"/>
+              <a:rPr kumimoji="1" lang="en-US" altLang="zh-CN" sz="3200" dirty="0" smtClean="0"/>
             </a:br>
             <a:r>
-              <a:rPr kumimoji="1" lang="en-US" altLang="zh-CN" sz="4000" b="1" dirty="0" smtClean="0"/>
-              <a:t>- Machine Learning</a:t>
-            </a:r>
-            <a:endParaRPr kumimoji="1" lang="zh-CN" altLang="en-US" sz="4000" b="1" dirty="0"/>
+              <a:rPr kumimoji="1" lang="en-US" altLang="zh-CN" sz="3200" dirty="0" smtClean="0"/>
+              <a:t>- Machine </a:t>
+            </a:r>
+            <a:r>
+              <a:rPr kumimoji="1" lang="en-US" altLang="zh-CN" sz="3200" dirty="0" smtClean="0"/>
+              <a:t>Learning: </a:t>
+            </a:r>
+            <a:br>
+              <a:rPr kumimoji="1" lang="en-US" altLang="zh-CN" sz="3200" dirty="0" smtClean="0"/>
+            </a:br>
+            <a:r>
+              <a:rPr kumimoji="1" lang="en-US" altLang="zh-CN" sz="3200" dirty="0" smtClean="0"/>
+              <a:t>KNN, Random Forest, Decision Tree, logistic regression, cross-validation</a:t>
+            </a:r>
+            <a:endParaRPr kumimoji="1" lang="zh-CN" altLang="en-US" sz="3200" dirty="0"/>
           </a:p>
         </p:txBody>
       </p:sp>
